--- a/認定你(崇拜版).pptx
+++ b/認定你(崇拜版).pptx
@@ -10,7 +10,7 @@
     <p:sldId id="258" r:id="rId4"/>
     <p:sldId id="259" r:id="rId5"/>
   </p:sldIdLst>
-  <p:sldSz cx="9144000" cy="6858000" type="screen4x3"/>
+  <p:sldSz cx="9144000" cy="5143500" type="screen16x9"/>
   <p:notesSz cx="6858000" cy="9144000"/>
   <p:defaultTextStyle>
     <a:defPPr>
@@ -139,8 +139,8 @@
         </p:nvSpPr>
         <p:spPr>
           <a:xfrm>
-            <a:off x="685800" y="2130425"/>
-            <a:ext cx="7772400" cy="1470025"/>
+            <a:off x="685800" y="1597819"/>
+            <a:ext cx="7772400" cy="1102519"/>
           </a:xfrm>
         </p:spPr>
         <p:txBody>
@@ -167,8 +167,8 @@
         </p:nvSpPr>
         <p:spPr>
           <a:xfrm>
-            <a:off x="1371600" y="3886200"/>
-            <a:ext cx="6400800" cy="1752600"/>
+            <a:off x="1371600" y="2914650"/>
+            <a:ext cx="6400800" cy="1314450"/>
           </a:xfrm>
         </p:spPr>
         <p:txBody>
@@ -291,7 +291,7 @@
           <a:p>
             <a:fld id="{E39A0710-6B10-4F56-AE15-0AE6079F05BB}" type="datetimeFigureOut">
               <a:rPr lang="zh-TW" altLang="en-US" smtClean="0"/>
-              <a:t>2018/5/12</a:t>
+              <a:t>2019/10/10</a:t>
             </a:fld>
             <a:endParaRPr lang="zh-TW" altLang="en-US"/>
           </a:p>
@@ -456,7 +456,7 @@
           <a:p>
             <a:fld id="{E39A0710-6B10-4F56-AE15-0AE6079F05BB}" type="datetimeFigureOut">
               <a:rPr lang="zh-TW" altLang="en-US" smtClean="0"/>
-              <a:t>2018/5/12</a:t>
+              <a:t>2019/10/10</a:t>
             </a:fld>
             <a:endParaRPr lang="zh-TW" altLang="en-US"/>
           </a:p>
@@ -541,8 +541,8 @@
         </p:nvSpPr>
         <p:spPr>
           <a:xfrm>
-            <a:off x="6629400" y="274638"/>
-            <a:ext cx="2057400" cy="5851525"/>
+            <a:off x="6629400" y="205979"/>
+            <a:ext cx="2057400" cy="4388644"/>
           </a:xfrm>
         </p:spPr>
         <p:txBody>
@@ -569,8 +569,8 @@
         </p:nvSpPr>
         <p:spPr>
           <a:xfrm>
-            <a:off x="457200" y="274638"/>
-            <a:ext cx="6019800" cy="5851525"/>
+            <a:off x="457200" y="205979"/>
+            <a:ext cx="6019800" cy="4388644"/>
           </a:xfrm>
         </p:spPr>
         <p:txBody>
@@ -631,7 +631,7 @@
           <a:p>
             <a:fld id="{E39A0710-6B10-4F56-AE15-0AE6079F05BB}" type="datetimeFigureOut">
               <a:rPr lang="zh-TW" altLang="en-US" smtClean="0"/>
-              <a:t>2018/5/12</a:t>
+              <a:t>2019/10/10</a:t>
             </a:fld>
             <a:endParaRPr lang="zh-TW" altLang="en-US"/>
           </a:p>
@@ -796,7 +796,7 @@
           <a:p>
             <a:fld id="{E39A0710-6B10-4F56-AE15-0AE6079F05BB}" type="datetimeFigureOut">
               <a:rPr lang="zh-TW" altLang="en-US" smtClean="0"/>
-              <a:t>2018/5/12</a:t>
+              <a:t>2019/10/10</a:t>
             </a:fld>
             <a:endParaRPr lang="zh-TW" altLang="en-US"/>
           </a:p>
@@ -881,8 +881,8 @@
         </p:nvSpPr>
         <p:spPr>
           <a:xfrm>
-            <a:off x="722313" y="4406900"/>
-            <a:ext cx="7772400" cy="1362075"/>
+            <a:off x="722313" y="3305176"/>
+            <a:ext cx="7772400" cy="1021556"/>
           </a:xfrm>
         </p:spPr>
         <p:txBody>
@@ -913,8 +913,8 @@
         </p:nvSpPr>
         <p:spPr>
           <a:xfrm>
-            <a:off x="722313" y="2906713"/>
-            <a:ext cx="7772400" cy="1500187"/>
+            <a:off x="722313" y="2180035"/>
+            <a:ext cx="7772400" cy="1125140"/>
           </a:xfrm>
         </p:spPr>
         <p:txBody>
@@ -1037,7 +1037,7 @@
           <a:p>
             <a:fld id="{E39A0710-6B10-4F56-AE15-0AE6079F05BB}" type="datetimeFigureOut">
               <a:rPr lang="zh-TW" altLang="en-US" smtClean="0"/>
-              <a:t>2018/5/12</a:t>
+              <a:t>2019/10/10</a:t>
             </a:fld>
             <a:endParaRPr lang="zh-TW" altLang="en-US"/>
           </a:p>
@@ -1145,8 +1145,8 @@
         </p:nvSpPr>
         <p:spPr>
           <a:xfrm>
-            <a:off x="457200" y="1600200"/>
-            <a:ext cx="4038600" cy="4525963"/>
+            <a:off x="457200" y="1200151"/>
+            <a:ext cx="4038600" cy="3394472"/>
           </a:xfrm>
         </p:spPr>
         <p:txBody>
@@ -1230,8 +1230,8 @@
         </p:nvSpPr>
         <p:spPr>
           <a:xfrm>
-            <a:off x="4648200" y="1600200"/>
-            <a:ext cx="4038600" cy="4525963"/>
+            <a:off x="4648200" y="1200151"/>
+            <a:ext cx="4038600" cy="3394472"/>
           </a:xfrm>
         </p:spPr>
         <p:txBody>
@@ -1320,7 +1320,7 @@
           <a:p>
             <a:fld id="{E39A0710-6B10-4F56-AE15-0AE6079F05BB}" type="datetimeFigureOut">
               <a:rPr lang="zh-TW" altLang="en-US" smtClean="0"/>
-              <a:t>2018/5/12</a:t>
+              <a:t>2019/10/10</a:t>
             </a:fld>
             <a:endParaRPr lang="zh-TW" altLang="en-US"/>
           </a:p>
@@ -1432,8 +1432,8 @@
         </p:nvSpPr>
         <p:spPr>
           <a:xfrm>
-            <a:off x="457200" y="1535113"/>
-            <a:ext cx="4040188" cy="639762"/>
+            <a:off x="457200" y="1151335"/>
+            <a:ext cx="4040188" cy="479822"/>
           </a:xfrm>
         </p:spPr>
         <p:txBody>
@@ -1497,8 +1497,8 @@
         </p:nvSpPr>
         <p:spPr>
           <a:xfrm>
-            <a:off x="457200" y="2174875"/>
-            <a:ext cx="4040188" cy="3951288"/>
+            <a:off x="457200" y="1631156"/>
+            <a:ext cx="4040188" cy="2963466"/>
           </a:xfrm>
         </p:spPr>
         <p:txBody>
@@ -1582,8 +1582,8 @@
         </p:nvSpPr>
         <p:spPr>
           <a:xfrm>
-            <a:off x="4645025" y="1535113"/>
-            <a:ext cx="4041775" cy="639762"/>
+            <a:off x="4645026" y="1151335"/>
+            <a:ext cx="4041775" cy="479822"/>
           </a:xfrm>
         </p:spPr>
         <p:txBody>
@@ -1647,8 +1647,8 @@
         </p:nvSpPr>
         <p:spPr>
           <a:xfrm>
-            <a:off x="4645025" y="2174875"/>
-            <a:ext cx="4041775" cy="3951288"/>
+            <a:off x="4645026" y="1631156"/>
+            <a:ext cx="4041775" cy="2963466"/>
           </a:xfrm>
         </p:spPr>
         <p:txBody>
@@ -1737,7 +1737,7 @@
           <a:p>
             <a:fld id="{E39A0710-6B10-4F56-AE15-0AE6079F05BB}" type="datetimeFigureOut">
               <a:rPr lang="zh-TW" altLang="en-US" smtClean="0"/>
-              <a:t>2018/5/12</a:t>
+              <a:t>2019/10/10</a:t>
             </a:fld>
             <a:endParaRPr lang="zh-TW" altLang="en-US"/>
           </a:p>
@@ -1850,7 +1850,7 @@
           <a:p>
             <a:fld id="{E39A0710-6B10-4F56-AE15-0AE6079F05BB}" type="datetimeFigureOut">
               <a:rPr lang="zh-TW" altLang="en-US" smtClean="0"/>
-              <a:t>2018/5/12</a:t>
+              <a:t>2019/10/10</a:t>
             </a:fld>
             <a:endParaRPr lang="zh-TW" altLang="en-US"/>
           </a:p>
@@ -1940,7 +1940,7 @@
           <a:p>
             <a:fld id="{E39A0710-6B10-4F56-AE15-0AE6079F05BB}" type="datetimeFigureOut">
               <a:rPr lang="zh-TW" altLang="en-US" smtClean="0"/>
-              <a:t>2018/5/12</a:t>
+              <a:t>2019/10/10</a:t>
             </a:fld>
             <a:endParaRPr lang="zh-TW" altLang="en-US"/>
           </a:p>
@@ -2025,8 +2025,8 @@
         </p:nvSpPr>
         <p:spPr>
           <a:xfrm>
-            <a:off x="457200" y="273050"/>
-            <a:ext cx="3008313" cy="1162050"/>
+            <a:off x="457201" y="204787"/>
+            <a:ext cx="3008313" cy="871538"/>
           </a:xfrm>
         </p:spPr>
         <p:txBody>
@@ -2057,8 +2057,8 @@
         </p:nvSpPr>
         <p:spPr>
           <a:xfrm>
-            <a:off x="3575050" y="273050"/>
-            <a:ext cx="5111750" cy="5853113"/>
+            <a:off x="3575050" y="204788"/>
+            <a:ext cx="5111750" cy="4389835"/>
           </a:xfrm>
         </p:spPr>
         <p:txBody>
@@ -2142,8 +2142,8 @@
         </p:nvSpPr>
         <p:spPr>
           <a:xfrm>
-            <a:off x="457200" y="1435100"/>
-            <a:ext cx="3008313" cy="4691063"/>
+            <a:off x="457201" y="1076326"/>
+            <a:ext cx="3008313" cy="3518297"/>
           </a:xfrm>
         </p:spPr>
         <p:txBody>
@@ -2212,7 +2212,7 @@
           <a:p>
             <a:fld id="{E39A0710-6B10-4F56-AE15-0AE6079F05BB}" type="datetimeFigureOut">
               <a:rPr lang="zh-TW" altLang="en-US" smtClean="0"/>
-              <a:t>2018/5/12</a:t>
+              <a:t>2019/10/10</a:t>
             </a:fld>
             <a:endParaRPr lang="zh-TW" altLang="en-US"/>
           </a:p>
@@ -2297,8 +2297,8 @@
         </p:nvSpPr>
         <p:spPr>
           <a:xfrm>
-            <a:off x="1792288" y="4800600"/>
-            <a:ext cx="5486400" cy="566738"/>
+            <a:off x="1792288" y="3600450"/>
+            <a:ext cx="5486400" cy="425054"/>
           </a:xfrm>
         </p:spPr>
         <p:txBody>
@@ -2329,8 +2329,8 @@
         </p:nvSpPr>
         <p:spPr>
           <a:xfrm>
-            <a:off x="1792288" y="612775"/>
-            <a:ext cx="5486400" cy="4114800"/>
+            <a:off x="1792288" y="459581"/>
+            <a:ext cx="5486400" cy="3086100"/>
           </a:xfrm>
         </p:spPr>
         <p:txBody>
@@ -2394,8 +2394,8 @@
         </p:nvSpPr>
         <p:spPr>
           <a:xfrm>
-            <a:off x="1792288" y="5367338"/>
-            <a:ext cx="5486400" cy="804862"/>
+            <a:off x="1792288" y="4025503"/>
+            <a:ext cx="5486400" cy="603647"/>
           </a:xfrm>
         </p:spPr>
         <p:txBody>
@@ -2464,7 +2464,7 @@
           <a:p>
             <a:fld id="{E39A0710-6B10-4F56-AE15-0AE6079F05BB}" type="datetimeFigureOut">
               <a:rPr lang="zh-TW" altLang="en-US" smtClean="0"/>
-              <a:t>2018/5/12</a:t>
+              <a:t>2019/10/10</a:t>
             </a:fld>
             <a:endParaRPr lang="zh-TW" altLang="en-US"/>
           </a:p>
@@ -2559,8 +2559,8 @@
         </p:nvSpPr>
         <p:spPr>
           <a:xfrm>
-            <a:off x="457200" y="274638"/>
-            <a:ext cx="8229600" cy="1143000"/>
+            <a:off x="457200" y="205979"/>
+            <a:ext cx="8229600" cy="857250"/>
           </a:xfrm>
           <a:prstGeom prst="rect">
             <a:avLst/>
@@ -2592,8 +2592,8 @@
         </p:nvSpPr>
         <p:spPr>
           <a:xfrm>
-            <a:off x="457200" y="1600200"/>
-            <a:ext cx="8229600" cy="4525963"/>
+            <a:off x="457200" y="1200151"/>
+            <a:ext cx="8229600" cy="3394472"/>
           </a:xfrm>
           <a:prstGeom prst="rect">
             <a:avLst/>
@@ -2654,8 +2654,8 @@
         </p:nvSpPr>
         <p:spPr>
           <a:xfrm>
-            <a:off x="457200" y="6356350"/>
-            <a:ext cx="2133600" cy="365125"/>
+            <a:off x="457200" y="4767263"/>
+            <a:ext cx="2133600" cy="273844"/>
           </a:xfrm>
           <a:prstGeom prst="rect">
             <a:avLst/>
@@ -2677,7 +2677,7 @@
           <a:p>
             <a:fld id="{E39A0710-6B10-4F56-AE15-0AE6079F05BB}" type="datetimeFigureOut">
               <a:rPr lang="zh-TW" altLang="en-US" smtClean="0"/>
-              <a:t>2018/5/12</a:t>
+              <a:t>2019/10/10</a:t>
             </a:fld>
             <a:endParaRPr lang="zh-TW" altLang="en-US"/>
           </a:p>
@@ -2695,8 +2695,8 @@
         </p:nvSpPr>
         <p:spPr>
           <a:xfrm>
-            <a:off x="3124200" y="6356350"/>
-            <a:ext cx="2895600" cy="365125"/>
+            <a:off x="3124200" y="4767263"/>
+            <a:ext cx="2895600" cy="273844"/>
           </a:xfrm>
           <a:prstGeom prst="rect">
             <a:avLst/>
@@ -2732,8 +2732,8 @@
         </p:nvSpPr>
         <p:spPr>
           <a:xfrm>
-            <a:off x="6553200" y="6356350"/>
-            <a:ext cx="2133600" cy="365125"/>
+            <a:off x="6553200" y="4767263"/>
+            <a:ext cx="2133600" cy="273844"/>
           </a:xfrm>
           <a:prstGeom prst="rect">
             <a:avLst/>
@@ -3059,11 +3059,13 @@
         </p:nvSpPr>
         <p:spPr/>
         <p:txBody>
-          <a:bodyPr/>
-          <a:lstStyle/>
-          <a:p>
-            <a:r>
-              <a:rPr lang="zh-CN" altLang="en-US" b="1" dirty="0" smtClean="0">
+          <a:bodyPr>
+            <a:normAutofit/>
+          </a:bodyPr>
+          <a:lstStyle/>
+          <a:p>
+            <a:r>
+              <a:rPr lang="zh-CN" altLang="en-US" sz="4000" b="1" dirty="0" smtClean="0">
                 <a:solidFill>
                   <a:srgbClr val="000066"/>
                 </a:solidFill>
@@ -3072,7 +3074,7 @@
               </a:rPr>
               <a:t>認定你</a:t>
             </a:r>
-            <a:endParaRPr lang="zh-TW" altLang="en-US" b="1" dirty="0">
+            <a:endParaRPr lang="zh-TW" altLang="en-US" sz="4000" b="1" dirty="0">
               <a:solidFill>
                 <a:srgbClr val="000066"/>
               </a:solidFill>
@@ -3103,26 +3105,38 @@
               <a:buNone/>
             </a:pPr>
             <a:r>
-              <a:rPr lang="zh-TW" altLang="en-US" sz="5400" b="1" dirty="0" smtClean="0">
+              <a:rPr lang="zh-TW" altLang="en-US" sz="4800" b="1" dirty="0" smtClean="0">
                 <a:solidFill>
                   <a:srgbClr val="000066"/>
                 </a:solidFill>
                 <a:latin typeface="微軟正黑體" pitchFamily="34" charset="-120"/>
                 <a:ea typeface="微軟正黑體" pitchFamily="34" charset="-120"/>
               </a:rPr>
-              <a:t>我要專心仰賴</a:t>
-            </a:r>
-            <a:r>
-              <a:rPr lang="zh-TW" altLang="en-US" sz="5400" b="1" dirty="0" smtClean="0">
+              <a:t>我要專心仰賴你</a:t>
+            </a:r>
+            <a:endParaRPr lang="en-US" altLang="zh-TW" sz="4800" b="1" dirty="0" smtClean="0">
+              <a:solidFill>
+                <a:srgbClr val="000066"/>
+              </a:solidFill>
+              <a:latin typeface="微軟正黑體" pitchFamily="34" charset="-120"/>
+              <a:ea typeface="微軟正黑體" pitchFamily="34" charset="-120"/>
+            </a:endParaRPr>
+          </a:p>
+          <a:p>
+            <a:pPr algn="ctr">
+              <a:buNone/>
+            </a:pPr>
+            <a:r>
+              <a:rPr lang="zh-TW" altLang="en-US" sz="4800" b="1" dirty="0" smtClean="0">
                 <a:solidFill>
                   <a:srgbClr val="000066"/>
                 </a:solidFill>
                 <a:latin typeface="微軟正黑體" pitchFamily="34" charset="-120"/>
                 <a:ea typeface="微軟正黑體" pitchFamily="34" charset="-120"/>
               </a:rPr>
-              <a:t>你</a:t>
-            </a:r>
-            <a:endParaRPr lang="en-US" altLang="zh-TW" sz="5400" b="1" dirty="0" smtClean="0">
+              <a:t>不倚靠自己的聰明</a:t>
+            </a:r>
+            <a:endParaRPr lang="en-US" altLang="zh-TW" sz="4800" b="1" dirty="0" smtClean="0">
               <a:solidFill>
                 <a:srgbClr val="000066"/>
               </a:solidFill>
@@ -3135,78 +3149,16 @@
               <a:buNone/>
             </a:pPr>
             <a:r>
-              <a:rPr lang="zh-TW" altLang="en-US" sz="5400" b="1" dirty="0" smtClean="0">
+              <a:rPr lang="zh-TW" altLang="en-US" sz="4800" b="1" dirty="0" smtClean="0">
                 <a:solidFill>
                   <a:srgbClr val="000066"/>
                 </a:solidFill>
                 <a:latin typeface="微軟正黑體" pitchFamily="34" charset="-120"/>
                 <a:ea typeface="微軟正黑體" pitchFamily="34" charset="-120"/>
               </a:rPr>
-              <a:t>不</a:t>
-            </a:r>
-            <a:r>
-              <a:rPr lang="zh-TW" altLang="en-US" sz="5400" b="1" dirty="0" smtClean="0">
-                <a:solidFill>
-                  <a:srgbClr val="000066"/>
-                </a:solidFill>
-                <a:latin typeface="微軟正黑體" pitchFamily="34" charset="-120"/>
-                <a:ea typeface="微軟正黑體" pitchFamily="34" charset="-120"/>
-              </a:rPr>
-              <a:t>倚靠自己的</a:t>
-            </a:r>
-            <a:r>
-              <a:rPr lang="zh-TW" altLang="en-US" sz="5400" b="1" dirty="0" smtClean="0">
-                <a:solidFill>
-                  <a:srgbClr val="000066"/>
-                </a:solidFill>
-                <a:latin typeface="微軟正黑體" pitchFamily="34" charset="-120"/>
-                <a:ea typeface="微軟正黑體" pitchFamily="34" charset="-120"/>
-              </a:rPr>
-              <a:t>聰明</a:t>
-            </a:r>
-            <a:endParaRPr lang="en-US" altLang="zh-TW" sz="5400" b="1" dirty="0" smtClean="0">
-              <a:solidFill>
-                <a:srgbClr val="000066"/>
-              </a:solidFill>
-              <a:latin typeface="微軟正黑體" pitchFamily="34" charset="-120"/>
-              <a:ea typeface="微軟正黑體" pitchFamily="34" charset="-120"/>
-            </a:endParaRPr>
-          </a:p>
-          <a:p>
-            <a:pPr algn="ctr">
-              <a:buNone/>
-            </a:pPr>
-            <a:r>
-              <a:rPr lang="zh-TW" altLang="en-US" sz="5400" b="1" dirty="0" smtClean="0">
-                <a:solidFill>
-                  <a:srgbClr val="000066"/>
-                </a:solidFill>
-                <a:latin typeface="微軟正黑體" pitchFamily="34" charset="-120"/>
-                <a:ea typeface="微軟正黑體" pitchFamily="34" charset="-120"/>
-              </a:rPr>
-              <a:t>在</a:t>
-            </a:r>
-            <a:r>
-              <a:rPr lang="zh-TW" altLang="en-US" sz="5400" b="1" dirty="0" smtClean="0">
-                <a:solidFill>
-                  <a:srgbClr val="000066"/>
-                </a:solidFill>
-                <a:latin typeface="微軟正黑體" pitchFamily="34" charset="-120"/>
-                <a:ea typeface="微軟正黑體" pitchFamily="34" charset="-120"/>
-              </a:rPr>
-              <a:t>所行的事都要認定</a:t>
-            </a:r>
-            <a:r>
-              <a:rPr lang="zh-TW" altLang="en-US" sz="5400" b="1" dirty="0" smtClean="0">
-                <a:solidFill>
-                  <a:srgbClr val="000066"/>
-                </a:solidFill>
-                <a:latin typeface="微軟正黑體" pitchFamily="34" charset="-120"/>
-                <a:ea typeface="微軟正黑體" pitchFamily="34" charset="-120"/>
-              </a:rPr>
-              <a:t>你</a:t>
-            </a:r>
-            <a:endParaRPr lang="en-US" altLang="zh-TW" sz="5400" b="1" dirty="0" smtClean="0">
+              <a:t>在所行的事都要認定你</a:t>
+            </a:r>
+            <a:endParaRPr lang="en-US" altLang="zh-TW" sz="4800" b="1" dirty="0" smtClean="0">
               <a:solidFill>
                 <a:srgbClr val="000066"/>
               </a:solidFill>
@@ -3253,11 +3205,13 @@
         </p:nvSpPr>
         <p:spPr/>
         <p:txBody>
-          <a:bodyPr/>
-          <a:lstStyle/>
-          <a:p>
-            <a:r>
-              <a:rPr lang="zh-CN" altLang="en-US" b="1" dirty="0" smtClean="0">
+          <a:bodyPr>
+            <a:normAutofit/>
+          </a:bodyPr>
+          <a:lstStyle/>
+          <a:p>
+            <a:r>
+              <a:rPr lang="zh-CN" altLang="en-US" sz="4000" b="1" dirty="0">
                 <a:solidFill>
                   <a:srgbClr val="000066"/>
                 </a:solidFill>
@@ -3266,7 +3220,7 @@
               </a:rPr>
               <a:t>認定你</a:t>
             </a:r>
-            <a:endParaRPr lang="zh-TW" altLang="en-US" b="1" dirty="0">
+            <a:endParaRPr lang="zh-TW" altLang="en-US" sz="4000" b="1" dirty="0">
               <a:solidFill>
                 <a:srgbClr val="000066"/>
               </a:solidFill>
@@ -3297,7 +3251,7 @@
               <a:buNone/>
             </a:pPr>
             <a:r>
-              <a:rPr lang="zh-TW" altLang="en-US" sz="5400" b="1" dirty="0" smtClean="0">
+              <a:rPr lang="zh-TW" altLang="en-US" sz="4800" b="1" dirty="0">
                 <a:solidFill>
                   <a:srgbClr val="000066"/>
                 </a:solidFill>
@@ -3306,7 +3260,7 @@
               </a:rPr>
               <a:t>我要專心跟隨你</a:t>
             </a:r>
-            <a:endParaRPr lang="en-US" altLang="zh-TW" sz="5400" b="1" dirty="0" smtClean="0">
+            <a:endParaRPr lang="en-US" altLang="zh-TW" sz="4800" b="1" dirty="0">
               <a:solidFill>
                 <a:srgbClr val="000066"/>
               </a:solidFill>
@@ -3319,7 +3273,7 @@
               <a:buNone/>
             </a:pPr>
             <a:r>
-              <a:rPr lang="zh-TW" altLang="en-US" sz="5400" b="1" dirty="0" smtClean="0">
+              <a:rPr lang="zh-TW" altLang="en-US" sz="4800" b="1" dirty="0">
                 <a:solidFill>
                   <a:srgbClr val="000066"/>
                 </a:solidFill>
@@ -3328,7 +3282,7 @@
               </a:rPr>
               <a:t>不倚靠自己的能力</a:t>
             </a:r>
-            <a:endParaRPr lang="en-US" altLang="zh-TW" sz="5400" b="1" dirty="0" smtClean="0">
+            <a:endParaRPr lang="en-US" altLang="zh-TW" sz="4800" b="1" dirty="0">
               <a:solidFill>
                 <a:srgbClr val="000066"/>
               </a:solidFill>
@@ -3341,7 +3295,7 @@
               <a:buNone/>
             </a:pPr>
             <a:r>
-              <a:rPr lang="zh-TW" altLang="en-US" sz="5400" b="1" dirty="0" smtClean="0">
+              <a:rPr lang="zh-TW" altLang="en-US" sz="4800" b="1" dirty="0">
                 <a:solidFill>
                   <a:srgbClr val="000066"/>
                 </a:solidFill>
@@ -3350,7 +3304,7 @@
               </a:rPr>
               <a:t>在所行的路  你必指引</a:t>
             </a:r>
-            <a:endParaRPr lang="en-US" altLang="zh-TW" sz="5400" b="1" dirty="0" smtClean="0">
+            <a:endParaRPr lang="en-US" altLang="zh-TW" sz="4800" b="1" dirty="0">
               <a:solidFill>
                 <a:srgbClr val="000066"/>
               </a:solidFill>
@@ -3397,11 +3351,13 @@
         </p:nvSpPr>
         <p:spPr/>
         <p:txBody>
-          <a:bodyPr/>
-          <a:lstStyle/>
-          <a:p>
-            <a:r>
-              <a:rPr lang="zh-CN" altLang="en-US" b="1" dirty="0" smtClean="0">
+          <a:bodyPr>
+            <a:normAutofit/>
+          </a:bodyPr>
+          <a:lstStyle/>
+          <a:p>
+            <a:r>
+              <a:rPr lang="zh-CN" altLang="en-US" sz="4000" b="1" dirty="0">
                 <a:solidFill>
                   <a:srgbClr val="000066"/>
                 </a:solidFill>
@@ -3410,7 +3366,7 @@
               </a:rPr>
               <a:t>認定你</a:t>
             </a:r>
-            <a:endParaRPr lang="zh-TW" altLang="en-US" b="1" dirty="0">
+            <a:endParaRPr lang="zh-TW" altLang="en-US" sz="4000" b="1" dirty="0">
               <a:solidFill>
                 <a:srgbClr val="000066"/>
               </a:solidFill>
@@ -3441,7 +3397,7 @@
               <a:buNone/>
             </a:pPr>
             <a:r>
-              <a:rPr lang="zh-TW" altLang="en-US" sz="5400" b="1" dirty="0" smtClean="0">
+              <a:rPr lang="zh-TW" altLang="en-US" sz="4800" b="1" dirty="0">
                 <a:solidFill>
                   <a:srgbClr val="000066"/>
                 </a:solidFill>
@@ -3450,7 +3406,7 @@
               </a:rPr>
               <a:t>將你的話語繫在頸項上</a:t>
             </a:r>
-            <a:endParaRPr lang="en-US" altLang="zh-TW" sz="5400" b="1" dirty="0" smtClean="0">
+            <a:endParaRPr lang="en-US" altLang="zh-TW" sz="4800" b="1" dirty="0">
               <a:solidFill>
                 <a:srgbClr val="000066"/>
               </a:solidFill>
@@ -3463,7 +3419,7 @@
               <a:buNone/>
             </a:pPr>
             <a:r>
-              <a:rPr lang="zh-TW" altLang="en-US" sz="5400" b="1" dirty="0" smtClean="0">
+              <a:rPr lang="zh-TW" altLang="en-US" sz="4800" b="1" dirty="0">
                 <a:solidFill>
                   <a:srgbClr val="000066"/>
                 </a:solidFill>
@@ -3472,7 +3428,7 @@
               </a:rPr>
               <a:t>刻在心版上</a:t>
             </a:r>
-            <a:endParaRPr lang="en-US" altLang="zh-TW" sz="5400" b="1" dirty="0" smtClean="0">
+            <a:endParaRPr lang="en-US" altLang="zh-TW" sz="4800" b="1" dirty="0">
               <a:solidFill>
                 <a:srgbClr val="000066"/>
               </a:solidFill>
@@ -3485,7 +3441,7 @@
               <a:buNone/>
             </a:pPr>
             <a:r>
-              <a:rPr lang="zh-TW" altLang="en-US" sz="5400" b="1" dirty="0" smtClean="0">
+              <a:rPr lang="zh-TW" altLang="en-US" sz="4800" b="1" dirty="0">
                 <a:solidFill>
                   <a:srgbClr val="000066"/>
                 </a:solidFill>
@@ -3494,7 +3450,7 @@
               </a:rPr>
               <a:t>主啊  我站立敬畏你</a:t>
             </a:r>
-            <a:endParaRPr lang="en-US" altLang="zh-TW" sz="5400" b="1" dirty="0" smtClean="0">
+            <a:endParaRPr lang="en-US" altLang="zh-TW" sz="4800" b="1" dirty="0">
               <a:solidFill>
                 <a:srgbClr val="000066"/>
               </a:solidFill>
@@ -3541,11 +3497,13 @@
         </p:nvSpPr>
         <p:spPr/>
         <p:txBody>
-          <a:bodyPr/>
-          <a:lstStyle/>
-          <a:p>
-            <a:r>
-              <a:rPr lang="zh-CN" altLang="en-US" b="1" dirty="0" smtClean="0">
+          <a:bodyPr>
+            <a:normAutofit/>
+          </a:bodyPr>
+          <a:lstStyle/>
+          <a:p>
+            <a:r>
+              <a:rPr lang="zh-CN" altLang="en-US" sz="4000" b="1" dirty="0">
                 <a:solidFill>
                   <a:srgbClr val="000066"/>
                 </a:solidFill>
@@ -3554,7 +3512,7 @@
               </a:rPr>
               <a:t>認定你</a:t>
             </a:r>
-            <a:endParaRPr lang="zh-TW" altLang="en-US" b="1" dirty="0">
+            <a:endParaRPr lang="zh-TW" altLang="en-US" sz="4000" b="1" dirty="0">
               <a:solidFill>
                 <a:srgbClr val="000066"/>
               </a:solidFill>
@@ -3585,7 +3543,7 @@
               <a:buNone/>
             </a:pPr>
             <a:r>
-              <a:rPr lang="zh-TW" altLang="en-US" sz="5400" b="1" dirty="0" smtClean="0">
+              <a:rPr lang="zh-TW" altLang="en-US" sz="4800" b="1" dirty="0">
                 <a:solidFill>
                   <a:srgbClr val="000066"/>
                 </a:solidFill>
@@ -3594,7 +3552,7 @@
               </a:rPr>
               <a:t>你是道路真理和生命</a:t>
             </a:r>
-            <a:endParaRPr lang="en-US" altLang="zh-TW" sz="5400" b="1" dirty="0" smtClean="0">
+            <a:endParaRPr lang="en-US" altLang="zh-TW" sz="4800" b="1" dirty="0">
               <a:solidFill>
                 <a:srgbClr val="000066"/>
               </a:solidFill>
@@ -3607,7 +3565,7 @@
               <a:buNone/>
             </a:pPr>
             <a:r>
-              <a:rPr lang="zh-TW" altLang="en-US" sz="5400" b="1" dirty="0" smtClean="0">
+              <a:rPr lang="zh-TW" altLang="en-US" sz="4800" b="1" dirty="0">
                 <a:solidFill>
                   <a:srgbClr val="000066"/>
                 </a:solidFill>
@@ -3617,7 +3575,7 @@
               <a:t>走近你心意</a:t>
             </a:r>
             <a:r>
-              <a:rPr lang="en-US" altLang="zh-TW" sz="5400" b="1" dirty="0" smtClean="0">
+              <a:rPr lang="en-US" altLang="zh-TW" sz="4800" b="1" dirty="0">
                 <a:solidFill>
                   <a:srgbClr val="000066"/>
                 </a:solidFill>
@@ -3627,7 +3585,7 @@
               <a:t>  </a:t>
             </a:r>
             <a:r>
-              <a:rPr lang="zh-TW" altLang="en-US" sz="5400" b="1" dirty="0" smtClean="0">
+              <a:rPr lang="zh-TW" altLang="en-US" sz="4800" b="1" dirty="0">
                 <a:solidFill>
                   <a:srgbClr val="000066"/>
                 </a:solidFill>
@@ -3636,7 +3594,7 @@
               </a:rPr>
               <a:t>獻上一切</a:t>
             </a:r>
-            <a:endParaRPr lang="en-US" altLang="zh-TW" sz="5400" b="1" dirty="0" smtClean="0">
+            <a:endParaRPr lang="en-US" altLang="zh-TW" sz="4800" b="1" dirty="0">
               <a:solidFill>
                 <a:srgbClr val="000066"/>
               </a:solidFill>
@@ -3649,7 +3607,7 @@
               <a:buNone/>
             </a:pPr>
             <a:r>
-              <a:rPr lang="zh-TW" altLang="en-US" sz="5400" b="1" dirty="0" smtClean="0">
+              <a:rPr lang="zh-TW" altLang="en-US" sz="4800" b="1" dirty="0">
                 <a:solidFill>
                   <a:srgbClr val="000066"/>
                 </a:solidFill>
@@ -3658,7 +3616,7 @@
               </a:rPr>
               <a:t>主啊  我尊榮你</a:t>
             </a:r>
-            <a:endParaRPr lang="en-US" altLang="zh-TW" sz="5400" b="1" dirty="0" smtClean="0">
+            <a:endParaRPr lang="en-US" altLang="zh-TW" sz="4800" b="1" dirty="0">
               <a:solidFill>
                 <a:srgbClr val="000066"/>
               </a:solidFill>

--- a/認定你(崇拜版).pptx
+++ b/認定你(崇拜版).pptx
@@ -107,6 +107,22 @@
       </a:defRPr>
     </a:lvl9pPr>
   </p:defaultTextStyle>
+  <p:extLst>
+    <p:ext uri="{EFAFB233-063F-42B5-8137-9DF3F51BA10A}">
+      <p15:sldGuideLst xmlns:p15="http://schemas.microsoft.com/office/powerpoint/2012/main">
+        <p15:guide id="1" orient="horz" pos="1620">
+          <p15:clr>
+            <a:srgbClr val="A4A3A4"/>
+          </p15:clr>
+        </p15:guide>
+        <p15:guide id="2" pos="2880">
+          <p15:clr>
+            <a:srgbClr val="A4A3A4"/>
+          </p15:clr>
+        </p15:guide>
+      </p15:sldGuideLst>
+    </p:ext>
+  </p:extLst>
 </p:presentation>
 </file>
 
@@ -291,7 +307,7 @@
           <a:p>
             <a:fld id="{E39A0710-6B10-4F56-AE15-0AE6079F05BB}" type="datetimeFigureOut">
               <a:rPr lang="zh-TW" altLang="en-US" smtClean="0"/>
-              <a:t>2019/10/10</a:t>
+              <a:t>2020/6/20</a:t>
             </a:fld>
             <a:endParaRPr lang="zh-TW" altLang="en-US"/>
           </a:p>
@@ -456,7 +472,7 @@
           <a:p>
             <a:fld id="{E39A0710-6B10-4F56-AE15-0AE6079F05BB}" type="datetimeFigureOut">
               <a:rPr lang="zh-TW" altLang="en-US" smtClean="0"/>
-              <a:t>2019/10/10</a:t>
+              <a:t>2020/6/20</a:t>
             </a:fld>
             <a:endParaRPr lang="zh-TW" altLang="en-US"/>
           </a:p>
@@ -631,7 +647,7 @@
           <a:p>
             <a:fld id="{E39A0710-6B10-4F56-AE15-0AE6079F05BB}" type="datetimeFigureOut">
               <a:rPr lang="zh-TW" altLang="en-US" smtClean="0"/>
-              <a:t>2019/10/10</a:t>
+              <a:t>2020/6/20</a:t>
             </a:fld>
             <a:endParaRPr lang="zh-TW" altLang="en-US"/>
           </a:p>
@@ -796,7 +812,7 @@
           <a:p>
             <a:fld id="{E39A0710-6B10-4F56-AE15-0AE6079F05BB}" type="datetimeFigureOut">
               <a:rPr lang="zh-TW" altLang="en-US" smtClean="0"/>
-              <a:t>2019/10/10</a:t>
+              <a:t>2020/6/20</a:t>
             </a:fld>
             <a:endParaRPr lang="zh-TW" altLang="en-US"/>
           </a:p>
@@ -1037,7 +1053,7 @@
           <a:p>
             <a:fld id="{E39A0710-6B10-4F56-AE15-0AE6079F05BB}" type="datetimeFigureOut">
               <a:rPr lang="zh-TW" altLang="en-US" smtClean="0"/>
-              <a:t>2019/10/10</a:t>
+              <a:t>2020/6/20</a:t>
             </a:fld>
             <a:endParaRPr lang="zh-TW" altLang="en-US"/>
           </a:p>
@@ -1320,7 +1336,7 @@
           <a:p>
             <a:fld id="{E39A0710-6B10-4F56-AE15-0AE6079F05BB}" type="datetimeFigureOut">
               <a:rPr lang="zh-TW" altLang="en-US" smtClean="0"/>
-              <a:t>2019/10/10</a:t>
+              <a:t>2020/6/20</a:t>
             </a:fld>
             <a:endParaRPr lang="zh-TW" altLang="en-US"/>
           </a:p>
@@ -1737,7 +1753,7 @@
           <a:p>
             <a:fld id="{E39A0710-6B10-4F56-AE15-0AE6079F05BB}" type="datetimeFigureOut">
               <a:rPr lang="zh-TW" altLang="en-US" smtClean="0"/>
-              <a:t>2019/10/10</a:t>
+              <a:t>2020/6/20</a:t>
             </a:fld>
             <a:endParaRPr lang="zh-TW" altLang="en-US"/>
           </a:p>
@@ -1850,7 +1866,7 @@
           <a:p>
             <a:fld id="{E39A0710-6B10-4F56-AE15-0AE6079F05BB}" type="datetimeFigureOut">
               <a:rPr lang="zh-TW" altLang="en-US" smtClean="0"/>
-              <a:t>2019/10/10</a:t>
+              <a:t>2020/6/20</a:t>
             </a:fld>
             <a:endParaRPr lang="zh-TW" altLang="en-US"/>
           </a:p>
@@ -1940,7 +1956,7 @@
           <a:p>
             <a:fld id="{E39A0710-6B10-4F56-AE15-0AE6079F05BB}" type="datetimeFigureOut">
               <a:rPr lang="zh-TW" altLang="en-US" smtClean="0"/>
-              <a:t>2019/10/10</a:t>
+              <a:t>2020/6/20</a:t>
             </a:fld>
             <a:endParaRPr lang="zh-TW" altLang="en-US"/>
           </a:p>
@@ -2212,7 +2228,7 @@
           <a:p>
             <a:fld id="{E39A0710-6B10-4F56-AE15-0AE6079F05BB}" type="datetimeFigureOut">
               <a:rPr lang="zh-TW" altLang="en-US" smtClean="0"/>
-              <a:t>2019/10/10</a:t>
+              <a:t>2020/6/20</a:t>
             </a:fld>
             <a:endParaRPr lang="zh-TW" altLang="en-US"/>
           </a:p>
@@ -2464,7 +2480,7 @@
           <a:p>
             <a:fld id="{E39A0710-6B10-4F56-AE15-0AE6079F05BB}" type="datetimeFigureOut">
               <a:rPr lang="zh-TW" altLang="en-US" smtClean="0"/>
-              <a:t>2019/10/10</a:t>
+              <a:t>2020/6/20</a:t>
             </a:fld>
             <a:endParaRPr lang="zh-TW" altLang="en-US"/>
           </a:p>
@@ -2677,7 +2693,7 @@
           <a:p>
             <a:fld id="{E39A0710-6B10-4F56-AE15-0AE6079F05BB}" type="datetimeFigureOut">
               <a:rPr lang="zh-TW" altLang="en-US" smtClean="0"/>
-              <a:t>2019/10/10</a:t>
+              <a:t>2020/6/20</a:t>
             </a:fld>
             <a:endParaRPr lang="zh-TW" altLang="en-US"/>
           </a:p>
@@ -3072,7 +3088,17 @@
                 <a:latin typeface="微軟正黑體" pitchFamily="34" charset="-120"/>
                 <a:ea typeface="微軟正黑體" pitchFamily="34" charset="-120"/>
               </a:rPr>
-              <a:t>認定你</a:t>
+              <a:t>認</a:t>
+            </a:r>
+            <a:r>
+              <a:rPr lang="zh-CN" altLang="en-US" sz="4000" b="1" dirty="0" smtClean="0">
+                <a:solidFill>
+                  <a:srgbClr val="000066"/>
+                </a:solidFill>
+                <a:latin typeface="微軟正黑體" pitchFamily="34" charset="-120"/>
+                <a:ea typeface="微軟正黑體" pitchFamily="34" charset="-120"/>
+              </a:rPr>
+              <a:t>定袮</a:t>
             </a:r>
             <a:endParaRPr lang="zh-TW" altLang="en-US" sz="4000" b="1" dirty="0">
               <a:solidFill>
@@ -3112,7 +3138,27 @@
                 <a:latin typeface="微軟正黑體" pitchFamily="34" charset="-120"/>
                 <a:ea typeface="微軟正黑體" pitchFamily="34" charset="-120"/>
               </a:rPr>
-              <a:t>我要專心仰賴你</a:t>
+              <a:t>我要專心仰</a:t>
+            </a:r>
+            <a:r>
+              <a:rPr lang="zh-TW" altLang="en-US" sz="4800" b="1" dirty="0" smtClean="0">
+                <a:solidFill>
+                  <a:srgbClr val="000066"/>
+                </a:solidFill>
+                <a:latin typeface="微軟正黑體" pitchFamily="34" charset="-120"/>
+                <a:ea typeface="微軟正黑體" pitchFamily="34" charset="-120"/>
+              </a:rPr>
+              <a:t>賴</a:t>
+            </a:r>
+            <a:r>
+              <a:rPr lang="zh-CN" altLang="en-US" sz="4800" b="1" dirty="0">
+                <a:solidFill>
+                  <a:srgbClr val="000066"/>
+                </a:solidFill>
+                <a:latin typeface="微軟正黑體" pitchFamily="34" charset="-120"/>
+                <a:ea typeface="微軟正黑體" pitchFamily="34" charset="-120"/>
+              </a:rPr>
+              <a:t>袮</a:t>
             </a:r>
             <a:endParaRPr lang="en-US" altLang="zh-TW" sz="4800" b="1" dirty="0" smtClean="0">
               <a:solidFill>
@@ -3156,7 +3202,27 @@
                 <a:latin typeface="微軟正黑體" pitchFamily="34" charset="-120"/>
                 <a:ea typeface="微軟正黑體" pitchFamily="34" charset="-120"/>
               </a:rPr>
-              <a:t>在所行的事都要認定你</a:t>
+              <a:t>在所行的事都要認</a:t>
+            </a:r>
+            <a:r>
+              <a:rPr lang="zh-TW" altLang="en-US" sz="4800" b="1" dirty="0" smtClean="0">
+                <a:solidFill>
+                  <a:srgbClr val="000066"/>
+                </a:solidFill>
+                <a:latin typeface="微軟正黑體" pitchFamily="34" charset="-120"/>
+                <a:ea typeface="微軟正黑體" pitchFamily="34" charset="-120"/>
+              </a:rPr>
+              <a:t>定</a:t>
+            </a:r>
+            <a:r>
+              <a:rPr lang="zh-CN" altLang="en-US" sz="4800" b="1" dirty="0">
+                <a:solidFill>
+                  <a:srgbClr val="000066"/>
+                </a:solidFill>
+                <a:latin typeface="微軟正黑體" pitchFamily="34" charset="-120"/>
+                <a:ea typeface="微軟正黑體" pitchFamily="34" charset="-120"/>
+              </a:rPr>
+              <a:t>袮</a:t>
             </a:r>
             <a:endParaRPr lang="en-US" altLang="zh-TW" sz="4800" b="1" dirty="0" smtClean="0">
               <a:solidFill>
@@ -3218,7 +3284,17 @@
                 <a:latin typeface="微軟正黑體" pitchFamily="34" charset="-120"/>
                 <a:ea typeface="微軟正黑體" pitchFamily="34" charset="-120"/>
               </a:rPr>
-              <a:t>認定你</a:t>
+              <a:t>認</a:t>
+            </a:r>
+            <a:r>
+              <a:rPr lang="zh-CN" altLang="en-US" sz="4000" b="1" dirty="0">
+                <a:solidFill>
+                  <a:srgbClr val="000066"/>
+                </a:solidFill>
+                <a:latin typeface="微軟正黑體" pitchFamily="34" charset="-120"/>
+                <a:ea typeface="微軟正黑體" pitchFamily="34" charset="-120"/>
+              </a:rPr>
+              <a:t>定袮</a:t>
             </a:r>
             <a:endParaRPr lang="zh-TW" altLang="en-US" sz="4000" b="1" dirty="0">
               <a:solidFill>
@@ -3258,7 +3334,27 @@
                 <a:latin typeface="微軟正黑體" pitchFamily="34" charset="-120"/>
                 <a:ea typeface="微軟正黑體" pitchFamily="34" charset="-120"/>
               </a:rPr>
-              <a:t>我要專心跟隨你</a:t>
+              <a:t>我要專心跟</a:t>
+            </a:r>
+            <a:r>
+              <a:rPr lang="zh-TW" altLang="en-US" sz="4800" b="1" dirty="0" smtClean="0">
+                <a:solidFill>
+                  <a:srgbClr val="000066"/>
+                </a:solidFill>
+                <a:latin typeface="微軟正黑體" pitchFamily="34" charset="-120"/>
+                <a:ea typeface="微軟正黑體" pitchFamily="34" charset="-120"/>
+              </a:rPr>
+              <a:t>隨</a:t>
+            </a:r>
+            <a:r>
+              <a:rPr lang="zh-CN" altLang="en-US" sz="4800" b="1" dirty="0">
+                <a:solidFill>
+                  <a:srgbClr val="000066"/>
+                </a:solidFill>
+                <a:latin typeface="微軟正黑體" pitchFamily="34" charset="-120"/>
+                <a:ea typeface="微軟正黑體" pitchFamily="34" charset="-120"/>
+              </a:rPr>
+              <a:t>袮</a:t>
             </a:r>
             <a:endParaRPr lang="en-US" altLang="zh-TW" sz="4800" b="1" dirty="0">
               <a:solidFill>
@@ -3302,7 +3398,47 @@
                 <a:latin typeface="微軟正黑體" pitchFamily="34" charset="-120"/>
                 <a:ea typeface="微軟正黑體" pitchFamily="34" charset="-120"/>
               </a:rPr>
-              <a:t>在所行的路  你必指引</a:t>
+              <a:t>在所行的</a:t>
+            </a:r>
+            <a:r>
+              <a:rPr lang="zh-TW" altLang="en-US" sz="4800" b="1" dirty="0" smtClean="0">
+                <a:solidFill>
+                  <a:srgbClr val="000066"/>
+                </a:solidFill>
+                <a:latin typeface="微軟正黑體" pitchFamily="34" charset="-120"/>
+                <a:ea typeface="微軟正黑體" pitchFamily="34" charset="-120"/>
+              </a:rPr>
+              <a:t>路  </a:t>
+            </a:r>
+            <a:r>
+              <a:rPr lang="zh-CN" altLang="en-US" sz="4800" b="1" dirty="0" smtClean="0">
+                <a:solidFill>
+                  <a:srgbClr val="000066"/>
+                </a:solidFill>
+                <a:latin typeface="微軟正黑體" pitchFamily="34" charset="-120"/>
+                <a:ea typeface="微軟正黑體" pitchFamily="34" charset="-120"/>
+              </a:rPr>
+              <a:t>袮</a:t>
+            </a:r>
+            <a:r>
+              <a:rPr lang="zh-TW" altLang="en-US" sz="4800" b="1" dirty="0" smtClean="0">
+                <a:solidFill>
+                  <a:srgbClr val="000066"/>
+                </a:solidFill>
+                <a:latin typeface="微軟正黑體" pitchFamily="34" charset="-120"/>
+                <a:ea typeface="微軟正黑體" pitchFamily="34" charset="-120"/>
+              </a:rPr>
+              <a:t>必</a:t>
+            </a:r>
+            <a:r>
+              <a:rPr lang="zh-TW" altLang="en-US" sz="4800" b="1" dirty="0">
+                <a:solidFill>
+                  <a:srgbClr val="000066"/>
+                </a:solidFill>
+                <a:latin typeface="微軟正黑體" pitchFamily="34" charset="-120"/>
+                <a:ea typeface="微軟正黑體" pitchFamily="34" charset="-120"/>
+              </a:rPr>
+              <a:t>指引</a:t>
             </a:r>
             <a:endParaRPr lang="en-US" altLang="zh-TW" sz="4800" b="1" dirty="0">
               <a:solidFill>
@@ -3364,7 +3500,17 @@
                 <a:latin typeface="微軟正黑體" pitchFamily="34" charset="-120"/>
                 <a:ea typeface="微軟正黑體" pitchFamily="34" charset="-120"/>
               </a:rPr>
-              <a:t>認定你</a:t>
+              <a:t>認</a:t>
+            </a:r>
+            <a:r>
+              <a:rPr lang="zh-CN" altLang="en-US" sz="4000" b="1" dirty="0">
+                <a:solidFill>
+                  <a:srgbClr val="000066"/>
+                </a:solidFill>
+                <a:latin typeface="微軟正黑體" pitchFamily="34" charset="-120"/>
+                <a:ea typeface="微軟正黑體" pitchFamily="34" charset="-120"/>
+              </a:rPr>
+              <a:t>定袮</a:t>
             </a:r>
             <a:endParaRPr lang="zh-TW" altLang="en-US" sz="4000" b="1" dirty="0">
               <a:solidFill>
@@ -3397,6 +3543,36 @@
               <a:buNone/>
             </a:pPr>
             <a:r>
+              <a:rPr lang="zh-TW" altLang="en-US" sz="4800" b="1" dirty="0" smtClean="0">
+                <a:solidFill>
+                  <a:srgbClr val="000066"/>
+                </a:solidFill>
+                <a:latin typeface="微軟正黑體" pitchFamily="34" charset="-120"/>
+                <a:ea typeface="微軟正黑體" pitchFamily="34" charset="-120"/>
+              </a:rPr>
+              <a:t>將</a:t>
+            </a:r>
+            <a:r>
+              <a:rPr lang="zh-CN" altLang="en-US" sz="4800" b="1" dirty="0">
+                <a:solidFill>
+                  <a:srgbClr val="000066"/>
+                </a:solidFill>
+                <a:latin typeface="微軟正黑體" pitchFamily="34" charset="-120"/>
+                <a:ea typeface="微軟正黑體" pitchFamily="34" charset="-120"/>
+              </a:rPr>
+              <a:t>袮</a:t>
+            </a:r>
+            <a:r>
+              <a:rPr lang="zh-TW" altLang="en-US" sz="4800" b="1" dirty="0" smtClean="0">
+                <a:solidFill>
+                  <a:srgbClr val="000066"/>
+                </a:solidFill>
+                <a:latin typeface="微軟正黑體" pitchFamily="34" charset="-120"/>
+                <a:ea typeface="微軟正黑體" pitchFamily="34" charset="-120"/>
+              </a:rPr>
+              <a:t>的</a:t>
+            </a:r>
+            <a:r>
               <a:rPr lang="zh-TW" altLang="en-US" sz="4800" b="1" dirty="0">
                 <a:solidFill>
                   <a:srgbClr val="000066"/>
@@ -3404,7 +3580,7 @@
                 <a:latin typeface="微軟正黑體" pitchFamily="34" charset="-120"/>
                 <a:ea typeface="微軟正黑體" pitchFamily="34" charset="-120"/>
               </a:rPr>
-              <a:t>將你的話語繫在頸項上</a:t>
+              <a:t>話語繫在頸項上</a:t>
             </a:r>
             <a:endParaRPr lang="en-US" altLang="zh-TW" sz="4800" b="1" dirty="0">
               <a:solidFill>
@@ -3448,7 +3624,27 @@
                 <a:latin typeface="微軟正黑體" pitchFamily="34" charset="-120"/>
                 <a:ea typeface="微軟正黑體" pitchFamily="34" charset="-120"/>
               </a:rPr>
-              <a:t>主啊  我站立敬畏你</a:t>
+              <a:t>主啊  我站立敬</a:t>
+            </a:r>
+            <a:r>
+              <a:rPr lang="zh-TW" altLang="en-US" sz="4800" b="1" dirty="0" smtClean="0">
+                <a:solidFill>
+                  <a:srgbClr val="000066"/>
+                </a:solidFill>
+                <a:latin typeface="微軟正黑體" pitchFamily="34" charset="-120"/>
+                <a:ea typeface="微軟正黑體" pitchFamily="34" charset="-120"/>
+              </a:rPr>
+              <a:t>畏</a:t>
+            </a:r>
+            <a:r>
+              <a:rPr lang="zh-CN" altLang="en-US" sz="4800" b="1" dirty="0">
+                <a:solidFill>
+                  <a:srgbClr val="000066"/>
+                </a:solidFill>
+                <a:latin typeface="微軟正黑體" pitchFamily="34" charset="-120"/>
+                <a:ea typeface="微軟正黑體" pitchFamily="34" charset="-120"/>
+              </a:rPr>
+              <a:t>袮</a:t>
             </a:r>
             <a:endParaRPr lang="en-US" altLang="zh-TW" sz="4800" b="1" dirty="0">
               <a:solidFill>
@@ -3510,7 +3706,17 @@
                 <a:latin typeface="微軟正黑體" pitchFamily="34" charset="-120"/>
                 <a:ea typeface="微軟正黑體" pitchFamily="34" charset="-120"/>
               </a:rPr>
-              <a:t>認定你</a:t>
+              <a:t>認</a:t>
+            </a:r>
+            <a:r>
+              <a:rPr lang="zh-CN" altLang="en-US" sz="4000" b="1" dirty="0">
+                <a:solidFill>
+                  <a:srgbClr val="000066"/>
+                </a:solidFill>
+                <a:latin typeface="微軟正黑體" pitchFamily="34" charset="-120"/>
+                <a:ea typeface="微軟正黑體" pitchFamily="34" charset="-120"/>
+              </a:rPr>
+              <a:t>定袮</a:t>
             </a:r>
             <a:endParaRPr lang="zh-TW" altLang="en-US" sz="4000" b="1" dirty="0">
               <a:solidFill>
@@ -3543,6 +3749,26 @@
               <a:buNone/>
             </a:pPr>
             <a:r>
+              <a:rPr lang="zh-CN" altLang="en-US" sz="4800" b="1" dirty="0">
+                <a:solidFill>
+                  <a:srgbClr val="000066"/>
+                </a:solidFill>
+                <a:latin typeface="微軟正黑體" pitchFamily="34" charset="-120"/>
+                <a:ea typeface="微軟正黑體" pitchFamily="34" charset="-120"/>
+              </a:rPr>
+              <a:t>袮</a:t>
+            </a:r>
+            <a:r>
+              <a:rPr lang="zh-TW" altLang="en-US" sz="4800" b="1" dirty="0" smtClean="0">
+                <a:solidFill>
+                  <a:srgbClr val="000066"/>
+                </a:solidFill>
+                <a:latin typeface="微軟正黑體" pitchFamily="34" charset="-120"/>
+                <a:ea typeface="微軟正黑體" pitchFamily="34" charset="-120"/>
+              </a:rPr>
+              <a:t>是</a:t>
+            </a:r>
+            <a:r>
               <a:rPr lang="zh-TW" altLang="en-US" sz="4800" b="1" dirty="0">
                 <a:solidFill>
                   <a:srgbClr val="000066"/>
@@ -3550,7 +3776,7 @@
                 <a:latin typeface="微軟正黑體" pitchFamily="34" charset="-120"/>
                 <a:ea typeface="微軟正黑體" pitchFamily="34" charset="-120"/>
               </a:rPr>
-              <a:t>你是道路真理和生命</a:t>
+              <a:t>道路真理和生命</a:t>
             </a:r>
             <a:endParaRPr lang="en-US" altLang="zh-TW" sz="4800" b="1" dirty="0">
               <a:solidFill>
@@ -3572,7 +3798,47 @@
                 <a:latin typeface="微軟正黑體" pitchFamily="34" charset="-120"/>
                 <a:ea typeface="微軟正黑體" pitchFamily="34" charset="-120"/>
               </a:rPr>
-              <a:t>走近你心意</a:t>
+              <a:t>走</a:t>
+            </a:r>
+            <a:r>
+              <a:rPr lang="zh-TW" altLang="en-US" sz="4800" b="1" dirty="0" smtClean="0">
+                <a:solidFill>
+                  <a:srgbClr val="000066"/>
+                </a:solidFill>
+                <a:latin typeface="微軟正黑體" pitchFamily="34" charset="-120"/>
+                <a:ea typeface="微軟正黑體" pitchFamily="34" charset="-120"/>
+              </a:rPr>
+              <a:t>近</a:t>
+            </a:r>
+            <a:r>
+              <a:rPr lang="zh-CN" altLang="en-US" sz="4800" b="1" dirty="0">
+                <a:solidFill>
+                  <a:srgbClr val="000066"/>
+                </a:solidFill>
+                <a:latin typeface="微軟正黑體" pitchFamily="34" charset="-120"/>
+                <a:ea typeface="微軟正黑體" pitchFamily="34" charset="-120"/>
+              </a:rPr>
+              <a:t>袮</a:t>
+            </a:r>
+            <a:r>
+              <a:rPr lang="zh-TW" altLang="en-US" sz="4800" b="1" dirty="0" smtClean="0">
+                <a:solidFill>
+                  <a:srgbClr val="000066"/>
+                </a:solidFill>
+                <a:latin typeface="微軟正黑體" pitchFamily="34" charset="-120"/>
+                <a:ea typeface="微軟正黑體" pitchFamily="34" charset="-120"/>
+              </a:rPr>
+              <a:t>心</a:t>
+            </a:r>
+            <a:r>
+              <a:rPr lang="zh-TW" altLang="en-US" sz="4800" b="1" dirty="0">
+                <a:solidFill>
+                  <a:srgbClr val="000066"/>
+                </a:solidFill>
+                <a:latin typeface="微軟正黑體" pitchFamily="34" charset="-120"/>
+                <a:ea typeface="微軟正黑體" pitchFamily="34" charset="-120"/>
+              </a:rPr>
+              <a:t>意</a:t>
             </a:r>
             <a:r>
               <a:rPr lang="en-US" altLang="zh-TW" sz="4800" b="1" dirty="0">
@@ -3614,7 +3880,27 @@
                 <a:latin typeface="微軟正黑體" pitchFamily="34" charset="-120"/>
                 <a:ea typeface="微軟正黑體" pitchFamily="34" charset="-120"/>
               </a:rPr>
-              <a:t>主啊  我尊榮你</a:t>
+              <a:t>主啊  我尊</a:t>
+            </a:r>
+            <a:r>
+              <a:rPr lang="zh-TW" altLang="en-US" sz="4800" b="1" dirty="0" smtClean="0">
+                <a:solidFill>
+                  <a:srgbClr val="000066"/>
+                </a:solidFill>
+                <a:latin typeface="微軟正黑體" pitchFamily="34" charset="-120"/>
+                <a:ea typeface="微軟正黑體" pitchFamily="34" charset="-120"/>
+              </a:rPr>
+              <a:t>榮</a:t>
+            </a:r>
+            <a:r>
+              <a:rPr lang="zh-CN" altLang="en-US" sz="4800" b="1" dirty="0">
+                <a:solidFill>
+                  <a:srgbClr val="000066"/>
+                </a:solidFill>
+                <a:latin typeface="微軟正黑體" pitchFamily="34" charset="-120"/>
+                <a:ea typeface="微軟正黑體" pitchFamily="34" charset="-120"/>
+              </a:rPr>
+              <a:t>袮</a:t>
             </a:r>
             <a:endParaRPr lang="en-US" altLang="zh-TW" sz="4800" b="1" dirty="0">
               <a:solidFill>

--- a/認定你(崇拜版).pptx
+++ b/認定你(崇拜版).pptx
@@ -307,7 +307,7 @@
           <a:p>
             <a:fld id="{E39A0710-6B10-4F56-AE15-0AE6079F05BB}" type="datetimeFigureOut">
               <a:rPr lang="zh-TW" altLang="en-US" smtClean="0"/>
-              <a:t>2020/6/20</a:t>
+              <a:t>2020/8/15</a:t>
             </a:fld>
             <a:endParaRPr lang="zh-TW" altLang="en-US"/>
           </a:p>
@@ -472,7 +472,7 @@
           <a:p>
             <a:fld id="{E39A0710-6B10-4F56-AE15-0AE6079F05BB}" type="datetimeFigureOut">
               <a:rPr lang="zh-TW" altLang="en-US" smtClean="0"/>
-              <a:t>2020/6/20</a:t>
+              <a:t>2020/8/15</a:t>
             </a:fld>
             <a:endParaRPr lang="zh-TW" altLang="en-US"/>
           </a:p>
@@ -647,7 +647,7 @@
           <a:p>
             <a:fld id="{E39A0710-6B10-4F56-AE15-0AE6079F05BB}" type="datetimeFigureOut">
               <a:rPr lang="zh-TW" altLang="en-US" smtClean="0"/>
-              <a:t>2020/6/20</a:t>
+              <a:t>2020/8/15</a:t>
             </a:fld>
             <a:endParaRPr lang="zh-TW" altLang="en-US"/>
           </a:p>
@@ -812,7 +812,7 @@
           <a:p>
             <a:fld id="{E39A0710-6B10-4F56-AE15-0AE6079F05BB}" type="datetimeFigureOut">
               <a:rPr lang="zh-TW" altLang="en-US" smtClean="0"/>
-              <a:t>2020/6/20</a:t>
+              <a:t>2020/8/15</a:t>
             </a:fld>
             <a:endParaRPr lang="zh-TW" altLang="en-US"/>
           </a:p>
@@ -1053,7 +1053,7 @@
           <a:p>
             <a:fld id="{E39A0710-6B10-4F56-AE15-0AE6079F05BB}" type="datetimeFigureOut">
               <a:rPr lang="zh-TW" altLang="en-US" smtClean="0"/>
-              <a:t>2020/6/20</a:t>
+              <a:t>2020/8/15</a:t>
             </a:fld>
             <a:endParaRPr lang="zh-TW" altLang="en-US"/>
           </a:p>
@@ -1336,7 +1336,7 @@
           <a:p>
             <a:fld id="{E39A0710-6B10-4F56-AE15-0AE6079F05BB}" type="datetimeFigureOut">
               <a:rPr lang="zh-TW" altLang="en-US" smtClean="0"/>
-              <a:t>2020/6/20</a:t>
+              <a:t>2020/8/15</a:t>
             </a:fld>
             <a:endParaRPr lang="zh-TW" altLang="en-US"/>
           </a:p>
@@ -1753,7 +1753,7 @@
           <a:p>
             <a:fld id="{E39A0710-6B10-4F56-AE15-0AE6079F05BB}" type="datetimeFigureOut">
               <a:rPr lang="zh-TW" altLang="en-US" smtClean="0"/>
-              <a:t>2020/6/20</a:t>
+              <a:t>2020/8/15</a:t>
             </a:fld>
             <a:endParaRPr lang="zh-TW" altLang="en-US"/>
           </a:p>
@@ -1866,7 +1866,7 @@
           <a:p>
             <a:fld id="{E39A0710-6B10-4F56-AE15-0AE6079F05BB}" type="datetimeFigureOut">
               <a:rPr lang="zh-TW" altLang="en-US" smtClean="0"/>
-              <a:t>2020/6/20</a:t>
+              <a:t>2020/8/15</a:t>
             </a:fld>
             <a:endParaRPr lang="zh-TW" altLang="en-US"/>
           </a:p>
@@ -1956,7 +1956,7 @@
           <a:p>
             <a:fld id="{E39A0710-6B10-4F56-AE15-0AE6079F05BB}" type="datetimeFigureOut">
               <a:rPr lang="zh-TW" altLang="en-US" smtClean="0"/>
-              <a:t>2020/6/20</a:t>
+              <a:t>2020/8/15</a:t>
             </a:fld>
             <a:endParaRPr lang="zh-TW" altLang="en-US"/>
           </a:p>
@@ -2228,7 +2228,7 @@
           <a:p>
             <a:fld id="{E39A0710-6B10-4F56-AE15-0AE6079F05BB}" type="datetimeFigureOut">
               <a:rPr lang="zh-TW" altLang="en-US" smtClean="0"/>
-              <a:t>2020/6/20</a:t>
+              <a:t>2020/8/15</a:t>
             </a:fld>
             <a:endParaRPr lang="zh-TW" altLang="en-US"/>
           </a:p>
@@ -2480,7 +2480,7 @@
           <a:p>
             <a:fld id="{E39A0710-6B10-4F56-AE15-0AE6079F05BB}" type="datetimeFigureOut">
               <a:rPr lang="zh-TW" altLang="en-US" smtClean="0"/>
-              <a:t>2020/6/20</a:t>
+              <a:t>2020/8/15</a:t>
             </a:fld>
             <a:endParaRPr lang="zh-TW" altLang="en-US"/>
           </a:p>
@@ -2693,7 +2693,7 @@
           <a:p>
             <a:fld id="{E39A0710-6B10-4F56-AE15-0AE6079F05BB}" type="datetimeFigureOut">
               <a:rPr lang="zh-TW" altLang="en-US" smtClean="0"/>
-              <a:t>2020/6/20</a:t>
+              <a:t>2020/8/15</a:t>
             </a:fld>
             <a:endParaRPr lang="zh-TW" altLang="en-US"/>
           </a:p>
@@ -3088,17 +3088,7 @@
                 <a:latin typeface="微軟正黑體" pitchFamily="34" charset="-120"/>
                 <a:ea typeface="微軟正黑體" pitchFamily="34" charset="-120"/>
               </a:rPr>
-              <a:t>認</a:t>
-            </a:r>
-            <a:r>
-              <a:rPr lang="zh-CN" altLang="en-US" sz="4000" b="1" dirty="0" smtClean="0">
-                <a:solidFill>
-                  <a:srgbClr val="000066"/>
-                </a:solidFill>
-                <a:latin typeface="微軟正黑體" pitchFamily="34" charset="-120"/>
-                <a:ea typeface="微軟正黑體" pitchFamily="34" charset="-120"/>
-              </a:rPr>
-              <a:t>定袮</a:t>
+              <a:t>認定袮</a:t>
             </a:r>
             <a:endParaRPr lang="zh-TW" altLang="en-US" sz="4000" b="1" dirty="0">
               <a:solidFill>
@@ -3138,17 +3128,7 @@
                 <a:latin typeface="微軟正黑體" pitchFamily="34" charset="-120"/>
                 <a:ea typeface="微軟正黑體" pitchFamily="34" charset="-120"/>
               </a:rPr>
-              <a:t>我要專心仰</a:t>
-            </a:r>
-            <a:r>
-              <a:rPr lang="zh-TW" altLang="en-US" sz="4800" b="1" dirty="0" smtClean="0">
-                <a:solidFill>
-                  <a:srgbClr val="000066"/>
-                </a:solidFill>
-                <a:latin typeface="微軟正黑體" pitchFamily="34" charset="-120"/>
-                <a:ea typeface="微軟正黑體" pitchFamily="34" charset="-120"/>
-              </a:rPr>
-              <a:t>賴</a:t>
+              <a:t>我要專心仰賴</a:t>
             </a:r>
             <a:r>
               <a:rPr lang="zh-CN" altLang="en-US" sz="4800" b="1" dirty="0">
@@ -3202,17 +3182,7 @@
                 <a:latin typeface="微軟正黑體" pitchFamily="34" charset="-120"/>
                 <a:ea typeface="微軟正黑體" pitchFamily="34" charset="-120"/>
               </a:rPr>
-              <a:t>在所行的事都要認</a:t>
-            </a:r>
-            <a:r>
-              <a:rPr lang="zh-TW" altLang="en-US" sz="4800" b="1" dirty="0" smtClean="0">
-                <a:solidFill>
-                  <a:srgbClr val="000066"/>
-                </a:solidFill>
-                <a:latin typeface="微軟正黑體" pitchFamily="34" charset="-120"/>
-                <a:ea typeface="微軟正黑體" pitchFamily="34" charset="-120"/>
-              </a:rPr>
-              <a:t>定</a:t>
+              <a:t>在所行的事都要認定</a:t>
             </a:r>
             <a:r>
               <a:rPr lang="zh-CN" altLang="en-US" sz="4800" b="1" dirty="0">
@@ -3284,17 +3254,7 @@
                 <a:latin typeface="微軟正黑體" pitchFamily="34" charset="-120"/>
                 <a:ea typeface="微軟正黑體" pitchFamily="34" charset="-120"/>
               </a:rPr>
-              <a:t>認</a:t>
-            </a:r>
-            <a:r>
-              <a:rPr lang="zh-CN" altLang="en-US" sz="4000" b="1" dirty="0">
-                <a:solidFill>
-                  <a:srgbClr val="000066"/>
-                </a:solidFill>
-                <a:latin typeface="微軟正黑體" pitchFamily="34" charset="-120"/>
-                <a:ea typeface="微軟正黑體" pitchFamily="34" charset="-120"/>
-              </a:rPr>
-              <a:t>定袮</a:t>
+              <a:t>認定袮</a:t>
             </a:r>
             <a:endParaRPr lang="zh-TW" altLang="en-US" sz="4000" b="1" dirty="0">
               <a:solidFill>
@@ -3500,17 +3460,7 @@
                 <a:latin typeface="微軟正黑體" pitchFamily="34" charset="-120"/>
                 <a:ea typeface="微軟正黑體" pitchFamily="34" charset="-120"/>
               </a:rPr>
-              <a:t>認</a:t>
-            </a:r>
-            <a:r>
-              <a:rPr lang="zh-CN" altLang="en-US" sz="4000" b="1" dirty="0">
-                <a:solidFill>
-                  <a:srgbClr val="000066"/>
-                </a:solidFill>
-                <a:latin typeface="微軟正黑體" pitchFamily="34" charset="-120"/>
-                <a:ea typeface="微軟正黑體" pitchFamily="34" charset="-120"/>
-              </a:rPr>
-              <a:t>定袮</a:t>
+              <a:t>認定袮</a:t>
             </a:r>
             <a:endParaRPr lang="zh-TW" altLang="en-US" sz="4000" b="1" dirty="0">
               <a:solidFill>
@@ -3706,17 +3656,7 @@
                 <a:latin typeface="微軟正黑體" pitchFamily="34" charset="-120"/>
                 <a:ea typeface="微軟正黑體" pitchFamily="34" charset="-120"/>
               </a:rPr>
-              <a:t>認</a:t>
-            </a:r>
-            <a:r>
-              <a:rPr lang="zh-CN" altLang="en-US" sz="4000" b="1" dirty="0">
-                <a:solidFill>
-                  <a:srgbClr val="000066"/>
-                </a:solidFill>
-                <a:latin typeface="微軟正黑體" pitchFamily="34" charset="-120"/>
-                <a:ea typeface="微軟正黑體" pitchFamily="34" charset="-120"/>
-              </a:rPr>
-              <a:t>定袮</a:t>
+              <a:t>認定袮</a:t>
             </a:r>
             <a:endParaRPr lang="zh-TW" altLang="en-US" sz="4000" b="1" dirty="0">
               <a:solidFill>
@@ -3738,7 +3678,12 @@
             <p:ph idx="1"/>
           </p:nvPr>
         </p:nvSpPr>
-        <p:spPr/>
+        <p:spPr>
+          <a:xfrm>
+            <a:off x="457200" y="1200150"/>
+            <a:ext cx="8229600" cy="3943349"/>
+          </a:xfrm>
+        </p:spPr>
         <p:txBody>
           <a:bodyPr>
             <a:normAutofit/>
@@ -3850,15 +3795,37 @@
               </a:rPr>
               <a:t>  </a:t>
             </a:r>
-            <a:r>
-              <a:rPr lang="zh-TW" altLang="en-US" sz="4800" b="1" dirty="0">
+            <a:endParaRPr lang="en-US" altLang="zh-TW" sz="4800" b="1" dirty="0" smtClean="0">
+              <a:solidFill>
+                <a:srgbClr val="000066"/>
+              </a:solidFill>
+              <a:latin typeface="微軟正黑體" pitchFamily="34" charset="-120"/>
+              <a:ea typeface="微軟正黑體" pitchFamily="34" charset="-120"/>
+            </a:endParaRPr>
+          </a:p>
+          <a:p>
+            <a:pPr algn="ctr">
+              <a:buNone/>
+            </a:pPr>
+            <a:r>
+              <a:rPr lang="zh-TW" altLang="en-US" sz="4800" b="1" dirty="0" smtClean="0">
                 <a:solidFill>
                   <a:srgbClr val="000066"/>
                 </a:solidFill>
                 <a:latin typeface="微軟正黑體" pitchFamily="34" charset="-120"/>
                 <a:ea typeface="微軟正黑體" pitchFamily="34" charset="-120"/>
               </a:rPr>
-              <a:t>獻上一切</a:t>
+              <a:t>獻</a:t>
+            </a:r>
+            <a:r>
+              <a:rPr lang="zh-TW" altLang="en-US" sz="4800" b="1" dirty="0">
+                <a:solidFill>
+                  <a:srgbClr val="000066"/>
+                </a:solidFill>
+                <a:latin typeface="微軟正黑體" pitchFamily="34" charset="-120"/>
+                <a:ea typeface="微軟正黑體" pitchFamily="34" charset="-120"/>
+              </a:rPr>
+              <a:t>上一切</a:t>
             </a:r>
             <a:endParaRPr lang="en-US" altLang="zh-TW" sz="4800" b="1" dirty="0">
               <a:solidFill>

--- a/認定你(崇拜版).pptx
+++ b/認定你(崇拜版).pptx
@@ -9,6 +9,10 @@
     <p:sldId id="257" r:id="rId3"/>
     <p:sldId id="258" r:id="rId4"/>
     <p:sldId id="259" r:id="rId5"/>
+    <p:sldId id="260" r:id="rId6"/>
+    <p:sldId id="261" r:id="rId7"/>
+    <p:sldId id="262" r:id="rId8"/>
+    <p:sldId id="263" r:id="rId9"/>
   </p:sldIdLst>
   <p:sldSz cx="9144000" cy="5143500" type="screen16x9"/>
   <p:notesSz cx="6858000" cy="9144000"/>
@@ -307,7 +311,7 @@
           <a:p>
             <a:fld id="{E39A0710-6B10-4F56-AE15-0AE6079F05BB}" type="datetimeFigureOut">
               <a:rPr lang="zh-TW" altLang="en-US" smtClean="0"/>
-              <a:t>2020/8/15</a:t>
+              <a:t>2021/1/8</a:t>
             </a:fld>
             <a:endParaRPr lang="zh-TW" altLang="en-US"/>
           </a:p>
@@ -472,7 +476,7 @@
           <a:p>
             <a:fld id="{E39A0710-6B10-4F56-AE15-0AE6079F05BB}" type="datetimeFigureOut">
               <a:rPr lang="zh-TW" altLang="en-US" smtClean="0"/>
-              <a:t>2020/8/15</a:t>
+              <a:t>2021/1/8</a:t>
             </a:fld>
             <a:endParaRPr lang="zh-TW" altLang="en-US"/>
           </a:p>
@@ -647,7 +651,7 @@
           <a:p>
             <a:fld id="{E39A0710-6B10-4F56-AE15-0AE6079F05BB}" type="datetimeFigureOut">
               <a:rPr lang="zh-TW" altLang="en-US" smtClean="0"/>
-              <a:t>2020/8/15</a:t>
+              <a:t>2021/1/8</a:t>
             </a:fld>
             <a:endParaRPr lang="zh-TW" altLang="en-US"/>
           </a:p>
@@ -812,7 +816,7 @@
           <a:p>
             <a:fld id="{E39A0710-6B10-4F56-AE15-0AE6079F05BB}" type="datetimeFigureOut">
               <a:rPr lang="zh-TW" altLang="en-US" smtClean="0"/>
-              <a:t>2020/8/15</a:t>
+              <a:t>2021/1/8</a:t>
             </a:fld>
             <a:endParaRPr lang="zh-TW" altLang="en-US"/>
           </a:p>
@@ -1053,7 +1057,7 @@
           <a:p>
             <a:fld id="{E39A0710-6B10-4F56-AE15-0AE6079F05BB}" type="datetimeFigureOut">
               <a:rPr lang="zh-TW" altLang="en-US" smtClean="0"/>
-              <a:t>2020/8/15</a:t>
+              <a:t>2021/1/8</a:t>
             </a:fld>
             <a:endParaRPr lang="zh-TW" altLang="en-US"/>
           </a:p>
@@ -1336,7 +1340,7 @@
           <a:p>
             <a:fld id="{E39A0710-6B10-4F56-AE15-0AE6079F05BB}" type="datetimeFigureOut">
               <a:rPr lang="zh-TW" altLang="en-US" smtClean="0"/>
-              <a:t>2020/8/15</a:t>
+              <a:t>2021/1/8</a:t>
             </a:fld>
             <a:endParaRPr lang="zh-TW" altLang="en-US"/>
           </a:p>
@@ -1753,7 +1757,7 @@
           <a:p>
             <a:fld id="{E39A0710-6B10-4F56-AE15-0AE6079F05BB}" type="datetimeFigureOut">
               <a:rPr lang="zh-TW" altLang="en-US" smtClean="0"/>
-              <a:t>2020/8/15</a:t>
+              <a:t>2021/1/8</a:t>
             </a:fld>
             <a:endParaRPr lang="zh-TW" altLang="en-US"/>
           </a:p>
@@ -1866,7 +1870,7 @@
           <a:p>
             <a:fld id="{E39A0710-6B10-4F56-AE15-0AE6079F05BB}" type="datetimeFigureOut">
               <a:rPr lang="zh-TW" altLang="en-US" smtClean="0"/>
-              <a:t>2020/8/15</a:t>
+              <a:t>2021/1/8</a:t>
             </a:fld>
             <a:endParaRPr lang="zh-TW" altLang="en-US"/>
           </a:p>
@@ -1956,7 +1960,7 @@
           <a:p>
             <a:fld id="{E39A0710-6B10-4F56-AE15-0AE6079F05BB}" type="datetimeFigureOut">
               <a:rPr lang="zh-TW" altLang="en-US" smtClean="0"/>
-              <a:t>2020/8/15</a:t>
+              <a:t>2021/1/8</a:t>
             </a:fld>
             <a:endParaRPr lang="zh-TW" altLang="en-US"/>
           </a:p>
@@ -2228,7 +2232,7 @@
           <a:p>
             <a:fld id="{E39A0710-6B10-4F56-AE15-0AE6079F05BB}" type="datetimeFigureOut">
               <a:rPr lang="zh-TW" altLang="en-US" smtClean="0"/>
-              <a:t>2020/8/15</a:t>
+              <a:t>2021/1/8</a:t>
             </a:fld>
             <a:endParaRPr lang="zh-TW" altLang="en-US"/>
           </a:p>
@@ -2480,7 +2484,7 @@
           <a:p>
             <a:fld id="{E39A0710-6B10-4F56-AE15-0AE6079F05BB}" type="datetimeFigureOut">
               <a:rPr lang="zh-TW" altLang="en-US" smtClean="0"/>
-              <a:t>2020/8/15</a:t>
+              <a:t>2021/1/8</a:t>
             </a:fld>
             <a:endParaRPr lang="zh-TW" altLang="en-US"/>
           </a:p>
@@ -2693,7 +2697,7 @@
           <a:p>
             <a:fld id="{E39A0710-6B10-4F56-AE15-0AE6079F05BB}" type="datetimeFigureOut">
               <a:rPr lang="zh-TW" altLang="en-US" smtClean="0"/>
-              <a:t>2020/8/15</a:t>
+              <a:t>2021/1/8</a:t>
             </a:fld>
             <a:endParaRPr lang="zh-TW" altLang="en-US"/>
           </a:p>
@@ -3073,142 +3077,86 @@
             <p:ph type="title"/>
           </p:nvPr>
         </p:nvSpPr>
-        <p:spPr/>
+        <p:spPr>
+          <a:xfrm>
+            <a:off x="0" y="2143135"/>
+            <a:ext cx="9144000" cy="857250"/>
+          </a:xfrm>
+        </p:spPr>
         <p:txBody>
           <a:bodyPr>
-            <a:normAutofit/>
+            <a:noAutofit/>
           </a:bodyPr>
           <a:lstStyle/>
           <a:p>
             <a:r>
-              <a:rPr lang="zh-CN" altLang="en-US" sz="4000" b="1" dirty="0" smtClean="0">
+              <a:rPr lang="zh-CN" altLang="en-US" sz="5400" b="1" i="1" dirty="0" smtClean="0">
                 <a:solidFill>
                   <a:srgbClr val="000066"/>
                 </a:solidFill>
+                <a:effectLst>
+                  <a:outerShdw blurRad="38100" dist="38100" dir="2700000" algn="tl">
+                    <a:srgbClr val="000000">
+                      <a:alpha val="43137"/>
+                    </a:srgbClr>
+                  </a:outerShdw>
+                </a:effectLst>
                 <a:latin typeface="微軟正黑體" pitchFamily="34" charset="-120"/>
                 <a:ea typeface="微軟正黑體" pitchFamily="34" charset="-120"/>
               </a:rPr>
-              <a:t>認定袮</a:t>
-            </a:r>
-            <a:endParaRPr lang="zh-TW" altLang="en-US" sz="4000" b="1" dirty="0">
+              <a:t>認</a:t>
+            </a:r>
+            <a:r>
+              <a:rPr lang="zh-CN" altLang="en-US" sz="5400" b="1" i="1" dirty="0">
+                <a:solidFill>
+                  <a:srgbClr val="000066"/>
+                </a:solidFill>
+                <a:effectLst>
+                  <a:outerShdw blurRad="38100" dist="38100" dir="2700000" algn="tl">
+                    <a:srgbClr val="000000">
+                      <a:alpha val="43137"/>
+                    </a:srgbClr>
+                  </a:outerShdw>
+                </a:effectLst>
+                <a:latin typeface="微軟正黑體" pitchFamily="34" charset="-120"/>
+                <a:ea typeface="微軟正黑體" pitchFamily="34" charset="-120"/>
+              </a:rPr>
+              <a:t>定袮</a:t>
+            </a:r>
+            <a:endParaRPr lang="zh-TW" altLang="en-US" sz="5400" b="1" i="1" dirty="0">
               <a:solidFill>
                 <a:srgbClr val="000066"/>
               </a:solidFill>
+              <a:effectLst>
+                <a:outerShdw blurRad="38100" dist="38100" dir="2700000" algn="tl">
+                  <a:srgbClr val="000000">
+                    <a:alpha val="43137"/>
+                  </a:srgbClr>
+                </a:outerShdw>
+              </a:effectLst>
               <a:latin typeface="微軟正黑體" pitchFamily="34" charset="-120"/>
               <a:ea typeface="微軟正黑體" pitchFamily="34" charset="-120"/>
             </a:endParaRPr>
           </a:p>
         </p:txBody>
       </p:sp>
-      <p:sp>
-        <p:nvSpPr>
-          <p:cNvPr id="5" name="內容版面配置區 4"/>
-          <p:cNvSpPr>
-            <a:spLocks noGrp="1"/>
-          </p:cNvSpPr>
-          <p:nvPr>
-            <p:ph idx="1"/>
-          </p:nvPr>
-        </p:nvSpPr>
-        <p:spPr/>
-        <p:txBody>
-          <a:bodyPr>
-            <a:normAutofit/>
-          </a:bodyPr>
-          <a:lstStyle/>
-          <a:p>
-            <a:pPr algn="ctr">
-              <a:buNone/>
-            </a:pPr>
-            <a:r>
-              <a:rPr lang="zh-TW" altLang="en-US" sz="4800" b="1" dirty="0" smtClean="0">
-                <a:solidFill>
-                  <a:srgbClr val="000066"/>
-                </a:solidFill>
-                <a:latin typeface="微軟正黑體" pitchFamily="34" charset="-120"/>
-                <a:ea typeface="微軟正黑體" pitchFamily="34" charset="-120"/>
-              </a:rPr>
-              <a:t>我要專心仰賴</a:t>
-            </a:r>
-            <a:r>
-              <a:rPr lang="zh-CN" altLang="en-US" sz="4800" b="1" dirty="0">
-                <a:solidFill>
-                  <a:srgbClr val="000066"/>
-                </a:solidFill>
-                <a:latin typeface="微軟正黑體" pitchFamily="34" charset="-120"/>
-                <a:ea typeface="微軟正黑體" pitchFamily="34" charset="-120"/>
-              </a:rPr>
-              <a:t>袮</a:t>
-            </a:r>
-            <a:endParaRPr lang="en-US" altLang="zh-TW" sz="4800" b="1" dirty="0" smtClean="0">
-              <a:solidFill>
-                <a:srgbClr val="000066"/>
-              </a:solidFill>
-              <a:latin typeface="微軟正黑體" pitchFamily="34" charset="-120"/>
-              <a:ea typeface="微軟正黑體" pitchFamily="34" charset="-120"/>
-            </a:endParaRPr>
-          </a:p>
-          <a:p>
-            <a:pPr algn="ctr">
-              <a:buNone/>
-            </a:pPr>
-            <a:r>
-              <a:rPr lang="zh-TW" altLang="en-US" sz="4800" b="1" dirty="0" smtClean="0">
-                <a:solidFill>
-                  <a:srgbClr val="000066"/>
-                </a:solidFill>
-                <a:latin typeface="微軟正黑體" pitchFamily="34" charset="-120"/>
-                <a:ea typeface="微軟正黑體" pitchFamily="34" charset="-120"/>
-              </a:rPr>
-              <a:t>不倚靠自己的聰明</a:t>
-            </a:r>
-            <a:endParaRPr lang="en-US" altLang="zh-TW" sz="4800" b="1" dirty="0" smtClean="0">
-              <a:solidFill>
-                <a:srgbClr val="000066"/>
-              </a:solidFill>
-              <a:latin typeface="微軟正黑體" pitchFamily="34" charset="-120"/>
-              <a:ea typeface="微軟正黑體" pitchFamily="34" charset="-120"/>
-            </a:endParaRPr>
-          </a:p>
-          <a:p>
-            <a:pPr algn="ctr">
-              <a:buNone/>
-            </a:pPr>
-            <a:r>
-              <a:rPr lang="zh-TW" altLang="en-US" sz="4800" b="1" dirty="0" smtClean="0">
-                <a:solidFill>
-                  <a:srgbClr val="000066"/>
-                </a:solidFill>
-                <a:latin typeface="微軟正黑體" pitchFamily="34" charset="-120"/>
-                <a:ea typeface="微軟正黑體" pitchFamily="34" charset="-120"/>
-              </a:rPr>
-              <a:t>在所行的事都要認定</a:t>
-            </a:r>
-            <a:r>
-              <a:rPr lang="zh-CN" altLang="en-US" sz="4800" b="1" dirty="0">
-                <a:solidFill>
-                  <a:srgbClr val="000066"/>
-                </a:solidFill>
-                <a:latin typeface="微軟正黑體" pitchFamily="34" charset="-120"/>
-                <a:ea typeface="微軟正黑體" pitchFamily="34" charset="-120"/>
-              </a:rPr>
-              <a:t>袮</a:t>
-            </a:r>
-            <a:endParaRPr lang="en-US" altLang="zh-TW" sz="4800" b="1" dirty="0" smtClean="0">
-              <a:solidFill>
-                <a:srgbClr val="000066"/>
-              </a:solidFill>
-              <a:latin typeface="微軟正黑體" pitchFamily="34" charset="-120"/>
-              <a:ea typeface="微軟正黑體" pitchFamily="34" charset="-120"/>
-            </a:endParaRPr>
-          </a:p>
-        </p:txBody>
-      </p:sp>
     </p:spTree>
+    <p:extLst>
+      <p:ext uri="{BB962C8B-B14F-4D97-AF65-F5344CB8AC3E}">
+        <p14:creationId xmlns:p14="http://schemas.microsoft.com/office/powerpoint/2010/main" val="2624420868"/>
+      </p:ext>
+    </p:extLst>
   </p:cSld>
   <p:clrMapOvr>
     <a:masterClrMapping/>
   </p:clrMapOvr>
+  <p:timing>
+    <p:tnLst>
+      <p:par>
+        <p:cTn id="1" dur="indefinite" restart="never" nodeType="tmRoot"/>
+      </p:par>
+    </p:tnLst>
+  </p:timing>
 </p:sld>
 </file>
 
@@ -3231,80 +3179,38 @@
       </p:grpSpPr>
       <p:sp>
         <p:nvSpPr>
-          <p:cNvPr id="4" name="標題 3"/>
-          <p:cNvSpPr>
-            <a:spLocks noGrp="1"/>
-          </p:cNvSpPr>
-          <p:nvPr>
-            <p:ph type="title"/>
-          </p:nvPr>
-        </p:nvSpPr>
-        <p:spPr/>
-        <p:txBody>
-          <a:bodyPr>
+          <p:cNvPr id="5" name="內容版面配置區 4"/>
+          <p:cNvSpPr>
+            <a:spLocks noGrp="1"/>
+          </p:cNvSpPr>
+          <p:nvPr>
+            <p:ph idx="1"/>
+          </p:nvPr>
+        </p:nvSpPr>
+        <p:spPr>
+          <a:xfrm>
+            <a:off x="0" y="1563639"/>
+            <a:ext cx="9144000" cy="1803647"/>
+          </a:xfrm>
+        </p:spPr>
+        <p:txBody>
+          <a:bodyPr anchor="ctr">
             <a:normAutofit/>
           </a:bodyPr>
           <a:lstStyle/>
           <a:p>
-            <a:r>
-              <a:rPr lang="zh-CN" altLang="en-US" sz="4000" b="1" dirty="0">
+            <a:pPr algn="ctr">
+              <a:buNone/>
+            </a:pPr>
+            <a:r>
+              <a:rPr lang="zh-TW" altLang="en-US" sz="4800" b="1" dirty="0">
                 <a:solidFill>
                   <a:srgbClr val="000066"/>
                 </a:solidFill>
                 <a:latin typeface="微軟正黑體" pitchFamily="34" charset="-120"/>
                 <a:ea typeface="微軟正黑體" pitchFamily="34" charset="-120"/>
               </a:rPr>
-              <a:t>認定袮</a:t>
-            </a:r>
-            <a:endParaRPr lang="zh-TW" altLang="en-US" sz="4000" b="1" dirty="0">
-              <a:solidFill>
-                <a:srgbClr val="000066"/>
-              </a:solidFill>
-              <a:latin typeface="微軟正黑體" pitchFamily="34" charset="-120"/>
-              <a:ea typeface="微軟正黑體" pitchFamily="34" charset="-120"/>
-            </a:endParaRPr>
-          </a:p>
-        </p:txBody>
-      </p:sp>
-      <p:sp>
-        <p:nvSpPr>
-          <p:cNvPr id="5" name="內容版面配置區 4"/>
-          <p:cNvSpPr>
-            <a:spLocks noGrp="1"/>
-          </p:cNvSpPr>
-          <p:nvPr>
-            <p:ph idx="1"/>
-          </p:nvPr>
-        </p:nvSpPr>
-        <p:spPr/>
-        <p:txBody>
-          <a:bodyPr>
-            <a:normAutofit/>
-          </a:bodyPr>
-          <a:lstStyle/>
-          <a:p>
-            <a:pPr algn="ctr">
-              <a:buNone/>
-            </a:pPr>
-            <a:r>
-              <a:rPr lang="zh-TW" altLang="en-US" sz="4800" b="1" dirty="0">
-                <a:solidFill>
-                  <a:srgbClr val="000066"/>
-                </a:solidFill>
-                <a:latin typeface="微軟正黑體" pitchFamily="34" charset="-120"/>
-                <a:ea typeface="微軟正黑體" pitchFamily="34" charset="-120"/>
-              </a:rPr>
-              <a:t>我要專心跟</a:t>
-            </a:r>
-            <a:r>
-              <a:rPr lang="zh-TW" altLang="en-US" sz="4800" b="1" dirty="0" smtClean="0">
-                <a:solidFill>
-                  <a:srgbClr val="000066"/>
-                </a:solidFill>
-                <a:latin typeface="微軟正黑體" pitchFamily="34" charset="-120"/>
-                <a:ea typeface="微軟正黑體" pitchFamily="34" charset="-120"/>
-              </a:rPr>
-              <a:t>隨</a:t>
+              <a:t>我要專心仰賴</a:t>
             </a:r>
             <a:r>
               <a:rPr lang="zh-CN" altLang="en-US" sz="4800" b="1" dirty="0">
@@ -3336,7 +3242,7 @@
                 <a:latin typeface="微軟正黑體" pitchFamily="34" charset="-120"/>
                 <a:ea typeface="微軟正黑體" pitchFamily="34" charset="-120"/>
               </a:rPr>
-              <a:t>不倚靠自己的能力</a:t>
+              <a:t>不倚靠自己的聰明</a:t>
             </a:r>
             <a:endParaRPr lang="en-US" altLang="zh-TW" sz="4800" b="1" dirty="0">
               <a:solidFill>
@@ -3346,75 +3252,25 @@
               <a:ea typeface="微軟正黑體" pitchFamily="34" charset="-120"/>
             </a:endParaRPr>
           </a:p>
-          <a:p>
-            <a:pPr algn="ctr">
-              <a:buNone/>
-            </a:pPr>
-            <a:r>
-              <a:rPr lang="zh-TW" altLang="en-US" sz="4800" b="1" dirty="0">
-                <a:solidFill>
-                  <a:srgbClr val="000066"/>
-                </a:solidFill>
-                <a:latin typeface="微軟正黑體" pitchFamily="34" charset="-120"/>
-                <a:ea typeface="微軟正黑體" pitchFamily="34" charset="-120"/>
-              </a:rPr>
-              <a:t>在所行的</a:t>
-            </a:r>
-            <a:r>
-              <a:rPr lang="zh-TW" altLang="en-US" sz="4800" b="1" dirty="0" smtClean="0">
-                <a:solidFill>
-                  <a:srgbClr val="000066"/>
-                </a:solidFill>
-                <a:latin typeface="微軟正黑體" pitchFamily="34" charset="-120"/>
-                <a:ea typeface="微軟正黑體" pitchFamily="34" charset="-120"/>
-              </a:rPr>
-              <a:t>路  </a:t>
-            </a:r>
-            <a:r>
-              <a:rPr lang="zh-CN" altLang="en-US" sz="4800" b="1" dirty="0" smtClean="0">
-                <a:solidFill>
-                  <a:srgbClr val="000066"/>
-                </a:solidFill>
-                <a:latin typeface="微軟正黑體" pitchFamily="34" charset="-120"/>
-                <a:ea typeface="微軟正黑體" pitchFamily="34" charset="-120"/>
-              </a:rPr>
-              <a:t>袮</a:t>
-            </a:r>
-            <a:r>
-              <a:rPr lang="zh-TW" altLang="en-US" sz="4800" b="1" dirty="0" smtClean="0">
-                <a:solidFill>
-                  <a:srgbClr val="000066"/>
-                </a:solidFill>
-                <a:latin typeface="微軟正黑體" pitchFamily="34" charset="-120"/>
-                <a:ea typeface="微軟正黑體" pitchFamily="34" charset="-120"/>
-              </a:rPr>
-              <a:t>必</a:t>
-            </a:r>
-            <a:r>
-              <a:rPr lang="zh-TW" altLang="en-US" sz="4800" b="1" dirty="0">
-                <a:solidFill>
-                  <a:srgbClr val="000066"/>
-                </a:solidFill>
-                <a:latin typeface="微軟正黑體" pitchFamily="34" charset="-120"/>
-                <a:ea typeface="微軟正黑體" pitchFamily="34" charset="-120"/>
-              </a:rPr>
-              <a:t>指引</a:t>
-            </a:r>
-            <a:endParaRPr lang="en-US" altLang="zh-TW" sz="4800" b="1" dirty="0">
-              <a:solidFill>
-                <a:srgbClr val="000066"/>
-              </a:solidFill>
-              <a:latin typeface="微軟正黑體" pitchFamily="34" charset="-120"/>
-              <a:ea typeface="微軟正黑體" pitchFamily="34" charset="-120"/>
-            </a:endParaRPr>
-          </a:p>
         </p:txBody>
       </p:sp>
     </p:spTree>
+    <p:extLst>
+      <p:ext uri="{BB962C8B-B14F-4D97-AF65-F5344CB8AC3E}">
+        <p14:creationId xmlns:p14="http://schemas.microsoft.com/office/powerpoint/2010/main" val="3062738183"/>
+      </p:ext>
+    </p:extLst>
   </p:cSld>
   <p:clrMapOvr>
     <a:masterClrMapping/>
   </p:clrMapOvr>
+  <p:timing>
+    <p:tnLst>
+      <p:par>
+        <p:cTn id="1" dur="indefinite" restart="never" nodeType="tmRoot"/>
+      </p:par>
+    </p:tnLst>
+  </p:timing>
 </p:sld>
 </file>
 
@@ -3437,70 +3293,38 @@
       </p:grpSpPr>
       <p:sp>
         <p:nvSpPr>
-          <p:cNvPr id="4" name="標題 3"/>
-          <p:cNvSpPr>
-            <a:spLocks noGrp="1"/>
-          </p:cNvSpPr>
-          <p:nvPr>
-            <p:ph type="title"/>
-          </p:nvPr>
-        </p:nvSpPr>
-        <p:spPr/>
-        <p:txBody>
-          <a:bodyPr>
+          <p:cNvPr id="5" name="內容版面配置區 4"/>
+          <p:cNvSpPr>
+            <a:spLocks noGrp="1"/>
+          </p:cNvSpPr>
+          <p:nvPr>
+            <p:ph idx="1"/>
+          </p:nvPr>
+        </p:nvSpPr>
+        <p:spPr>
+          <a:xfrm>
+            <a:off x="0" y="1563639"/>
+            <a:ext cx="9144000" cy="1803647"/>
+          </a:xfrm>
+        </p:spPr>
+        <p:txBody>
+          <a:bodyPr anchor="ctr">
             <a:normAutofit/>
           </a:bodyPr>
           <a:lstStyle/>
           <a:p>
-            <a:r>
-              <a:rPr lang="zh-CN" altLang="en-US" sz="4000" b="1" dirty="0">
+            <a:pPr algn="ctr">
+              <a:buNone/>
+            </a:pPr>
+            <a:r>
+              <a:rPr lang="zh-TW" altLang="en-US" sz="4800" b="1" dirty="0">
                 <a:solidFill>
                   <a:srgbClr val="000066"/>
                 </a:solidFill>
                 <a:latin typeface="微軟正黑體" pitchFamily="34" charset="-120"/>
                 <a:ea typeface="微軟正黑體" pitchFamily="34" charset="-120"/>
               </a:rPr>
-              <a:t>認定袮</a:t>
-            </a:r>
-            <a:endParaRPr lang="zh-TW" altLang="en-US" sz="4000" b="1" dirty="0">
-              <a:solidFill>
-                <a:srgbClr val="000066"/>
-              </a:solidFill>
-              <a:latin typeface="微軟正黑體" pitchFamily="34" charset="-120"/>
-              <a:ea typeface="微軟正黑體" pitchFamily="34" charset="-120"/>
-            </a:endParaRPr>
-          </a:p>
-        </p:txBody>
-      </p:sp>
-      <p:sp>
-        <p:nvSpPr>
-          <p:cNvPr id="5" name="內容版面配置區 4"/>
-          <p:cNvSpPr>
-            <a:spLocks noGrp="1"/>
-          </p:cNvSpPr>
-          <p:nvPr>
-            <p:ph idx="1"/>
-          </p:nvPr>
-        </p:nvSpPr>
-        <p:spPr/>
-        <p:txBody>
-          <a:bodyPr>
-            <a:normAutofit/>
-          </a:bodyPr>
-          <a:lstStyle/>
-          <a:p>
-            <a:pPr algn="ctr">
-              <a:buNone/>
-            </a:pPr>
-            <a:r>
-              <a:rPr lang="zh-TW" altLang="en-US" sz="4800" b="1" dirty="0" smtClean="0">
-                <a:solidFill>
-                  <a:srgbClr val="000066"/>
-                </a:solidFill>
-                <a:latin typeface="微軟正黑體" pitchFamily="34" charset="-120"/>
-                <a:ea typeface="微軟正黑體" pitchFamily="34" charset="-120"/>
-              </a:rPr>
-              <a:t>將</a:t>
+              <a:t>在所行的事都要認定</a:t>
             </a:r>
             <a:r>
               <a:rPr lang="zh-CN" altLang="en-US" sz="4800" b="1" dirty="0">
@@ -3511,26 +3335,6 @@
                 <a:ea typeface="微軟正黑體" pitchFamily="34" charset="-120"/>
               </a:rPr>
               <a:t>袮</a:t>
-            </a:r>
-            <a:r>
-              <a:rPr lang="zh-TW" altLang="en-US" sz="4800" b="1" dirty="0" smtClean="0">
-                <a:solidFill>
-                  <a:srgbClr val="000066"/>
-                </a:solidFill>
-                <a:latin typeface="微軟正黑體" pitchFamily="34" charset="-120"/>
-                <a:ea typeface="微軟正黑體" pitchFamily="34" charset="-120"/>
-              </a:rPr>
-              <a:t>的</a:t>
-            </a:r>
-            <a:r>
-              <a:rPr lang="zh-TW" altLang="en-US" sz="4800" b="1" dirty="0">
-                <a:solidFill>
-                  <a:srgbClr val="000066"/>
-                </a:solidFill>
-                <a:latin typeface="微軟正黑體" pitchFamily="34" charset="-120"/>
-                <a:ea typeface="微軟正黑體" pitchFamily="34" charset="-120"/>
-              </a:rPr>
-              <a:t>話語繫在頸項上</a:t>
             </a:r>
             <a:endParaRPr lang="en-US" altLang="zh-TW" sz="4800" b="1" dirty="0">
               <a:solidFill>
@@ -3540,77 +3344,25 @@
               <a:ea typeface="微軟正黑體" pitchFamily="34" charset="-120"/>
             </a:endParaRPr>
           </a:p>
-          <a:p>
-            <a:pPr algn="ctr">
-              <a:buNone/>
-            </a:pPr>
-            <a:r>
-              <a:rPr lang="zh-TW" altLang="en-US" sz="4800" b="1" dirty="0">
-                <a:solidFill>
-                  <a:srgbClr val="000066"/>
-                </a:solidFill>
-                <a:latin typeface="微軟正黑體" pitchFamily="34" charset="-120"/>
-                <a:ea typeface="微軟正黑體" pitchFamily="34" charset="-120"/>
-              </a:rPr>
-              <a:t>刻在心版上</a:t>
-            </a:r>
-            <a:endParaRPr lang="en-US" altLang="zh-TW" sz="4800" b="1" dirty="0">
-              <a:solidFill>
-                <a:srgbClr val="000066"/>
-              </a:solidFill>
-              <a:latin typeface="微軟正黑體" pitchFamily="34" charset="-120"/>
-              <a:ea typeface="微軟正黑體" pitchFamily="34" charset="-120"/>
-            </a:endParaRPr>
-          </a:p>
-          <a:p>
-            <a:pPr algn="ctr">
-              <a:buNone/>
-            </a:pPr>
-            <a:r>
-              <a:rPr lang="zh-TW" altLang="en-US" sz="4800" b="1" dirty="0">
-                <a:solidFill>
-                  <a:srgbClr val="000066"/>
-                </a:solidFill>
-                <a:latin typeface="微軟正黑體" pitchFamily="34" charset="-120"/>
-                <a:ea typeface="微軟正黑體" pitchFamily="34" charset="-120"/>
-              </a:rPr>
-              <a:t>主啊  我站立敬</a:t>
-            </a:r>
-            <a:r>
-              <a:rPr lang="zh-TW" altLang="en-US" sz="4800" b="1" dirty="0" smtClean="0">
-                <a:solidFill>
-                  <a:srgbClr val="000066"/>
-                </a:solidFill>
-                <a:latin typeface="微軟正黑體" pitchFamily="34" charset="-120"/>
-                <a:ea typeface="微軟正黑體" pitchFamily="34" charset="-120"/>
-              </a:rPr>
-              <a:t>畏</a:t>
-            </a:r>
-            <a:r>
-              <a:rPr lang="zh-CN" altLang="en-US" sz="4800" b="1" dirty="0">
-                <a:solidFill>
-                  <a:srgbClr val="000066"/>
-                </a:solidFill>
-                <a:latin typeface="微軟正黑體" pitchFamily="34" charset="-120"/>
-                <a:ea typeface="微軟正黑體" pitchFamily="34" charset="-120"/>
-              </a:rPr>
-              <a:t>袮</a:t>
-            </a:r>
-            <a:endParaRPr lang="en-US" altLang="zh-TW" sz="4800" b="1" dirty="0">
-              <a:solidFill>
-                <a:srgbClr val="000066"/>
-              </a:solidFill>
-              <a:latin typeface="微軟正黑體" pitchFamily="34" charset="-120"/>
-              <a:ea typeface="微軟正黑體" pitchFamily="34" charset="-120"/>
-            </a:endParaRPr>
-          </a:p>
         </p:txBody>
       </p:sp>
     </p:spTree>
+    <p:extLst>
+      <p:ext uri="{BB962C8B-B14F-4D97-AF65-F5344CB8AC3E}">
+        <p14:creationId xmlns:p14="http://schemas.microsoft.com/office/powerpoint/2010/main" val="747988294"/>
+      </p:ext>
+    </p:extLst>
   </p:cSld>
   <p:clrMapOvr>
     <a:masterClrMapping/>
   </p:clrMapOvr>
+  <p:timing>
+    <p:tnLst>
+      <p:par>
+        <p:cTn id="1" dur="indefinite" restart="never" nodeType="tmRoot"/>
+      </p:par>
+    </p:tnLst>
+  </p:timing>
 </p:sld>
 </file>
 
@@ -3633,66 +3385,39 @@
       </p:grpSpPr>
       <p:sp>
         <p:nvSpPr>
-          <p:cNvPr id="4" name="標題 3"/>
-          <p:cNvSpPr>
-            <a:spLocks noGrp="1"/>
-          </p:cNvSpPr>
-          <p:nvPr>
-            <p:ph type="title"/>
-          </p:nvPr>
-        </p:nvSpPr>
-        <p:spPr/>
-        <p:txBody>
-          <a:bodyPr>
+          <p:cNvPr id="5" name="內容版面配置區 4"/>
+          <p:cNvSpPr>
+            <a:spLocks noGrp="1"/>
+          </p:cNvSpPr>
+          <p:nvPr>
+            <p:ph idx="1"/>
+          </p:nvPr>
+        </p:nvSpPr>
+        <p:spPr>
+          <a:xfrm>
+            <a:off x="0" y="1563639"/>
+            <a:ext cx="9144000" cy="1803647"/>
+          </a:xfrm>
+        </p:spPr>
+        <p:txBody>
+          <a:bodyPr anchor="ctr">
             <a:normAutofit/>
           </a:bodyPr>
           <a:lstStyle/>
           <a:p>
-            <a:r>
-              <a:rPr lang="zh-CN" altLang="en-US" sz="4000" b="1" dirty="0">
+            <a:pPr algn="ctr">
+              <a:buNone/>
+            </a:pPr>
+            <a:r>
+              <a:rPr lang="zh-TW" altLang="en-US" sz="4800" b="1" dirty="0">
                 <a:solidFill>
                   <a:srgbClr val="000066"/>
                 </a:solidFill>
                 <a:latin typeface="微軟正黑體" pitchFamily="34" charset="-120"/>
                 <a:ea typeface="微軟正黑體" pitchFamily="34" charset="-120"/>
               </a:rPr>
-              <a:t>認定袮</a:t>
-            </a:r>
-            <a:endParaRPr lang="zh-TW" altLang="en-US" sz="4000" b="1" dirty="0">
-              <a:solidFill>
-                <a:srgbClr val="000066"/>
-              </a:solidFill>
-              <a:latin typeface="微軟正黑體" pitchFamily="34" charset="-120"/>
-              <a:ea typeface="微軟正黑體" pitchFamily="34" charset="-120"/>
-            </a:endParaRPr>
-          </a:p>
-        </p:txBody>
-      </p:sp>
-      <p:sp>
-        <p:nvSpPr>
-          <p:cNvPr id="5" name="內容版面配置區 4"/>
-          <p:cNvSpPr>
-            <a:spLocks noGrp="1"/>
-          </p:cNvSpPr>
-          <p:nvPr>
-            <p:ph idx="1"/>
-          </p:nvPr>
-        </p:nvSpPr>
-        <p:spPr>
-          <a:xfrm>
-            <a:off x="457200" y="1200150"/>
-            <a:ext cx="8229600" cy="3943349"/>
-          </a:xfrm>
-        </p:spPr>
-        <p:txBody>
-          <a:bodyPr>
-            <a:normAutofit/>
-          </a:bodyPr>
-          <a:lstStyle/>
-          <a:p>
-            <a:pPr algn="ctr">
-              <a:buNone/>
-            </a:pPr>
+              <a:t>我要專心跟隨</a:t>
+            </a:r>
             <a:r>
               <a:rPr lang="zh-CN" altLang="en-US" sz="4800" b="1" dirty="0">
                 <a:solidFill>
@@ -3702,26 +3427,6 @@
                 <a:ea typeface="微軟正黑體" pitchFamily="34" charset="-120"/>
               </a:rPr>
               <a:t>袮</a:t>
-            </a:r>
-            <a:r>
-              <a:rPr lang="zh-TW" altLang="en-US" sz="4800" b="1" dirty="0" smtClean="0">
-                <a:solidFill>
-                  <a:srgbClr val="000066"/>
-                </a:solidFill>
-                <a:latin typeface="微軟正黑體" pitchFamily="34" charset="-120"/>
-                <a:ea typeface="微軟正黑體" pitchFamily="34" charset="-120"/>
-              </a:rPr>
-              <a:t>是</a:t>
-            </a:r>
-            <a:r>
-              <a:rPr lang="zh-TW" altLang="en-US" sz="4800" b="1" dirty="0">
-                <a:solidFill>
-                  <a:srgbClr val="000066"/>
-                </a:solidFill>
-                <a:latin typeface="微軟正黑體" pitchFamily="34" charset="-120"/>
-                <a:ea typeface="微軟正黑體" pitchFamily="34" charset="-120"/>
-              </a:rPr>
-              <a:t>道路真理和生命</a:t>
             </a:r>
             <a:endParaRPr lang="en-US" altLang="zh-TW" sz="4800" b="1" dirty="0">
               <a:solidFill>
@@ -3743,89 +3448,7 @@
                 <a:latin typeface="微軟正黑體" pitchFamily="34" charset="-120"/>
                 <a:ea typeface="微軟正黑體" pitchFamily="34" charset="-120"/>
               </a:rPr>
-              <a:t>走</a:t>
-            </a:r>
-            <a:r>
-              <a:rPr lang="zh-TW" altLang="en-US" sz="4800" b="1" dirty="0" smtClean="0">
-                <a:solidFill>
-                  <a:srgbClr val="000066"/>
-                </a:solidFill>
-                <a:latin typeface="微軟正黑體" pitchFamily="34" charset="-120"/>
-                <a:ea typeface="微軟正黑體" pitchFamily="34" charset="-120"/>
-              </a:rPr>
-              <a:t>近</a:t>
-            </a:r>
-            <a:r>
-              <a:rPr lang="zh-CN" altLang="en-US" sz="4800" b="1" dirty="0">
-                <a:solidFill>
-                  <a:srgbClr val="000066"/>
-                </a:solidFill>
-                <a:latin typeface="微軟正黑體" pitchFamily="34" charset="-120"/>
-                <a:ea typeface="微軟正黑體" pitchFamily="34" charset="-120"/>
-              </a:rPr>
-              <a:t>袮</a:t>
-            </a:r>
-            <a:r>
-              <a:rPr lang="zh-TW" altLang="en-US" sz="4800" b="1" dirty="0" smtClean="0">
-                <a:solidFill>
-                  <a:srgbClr val="000066"/>
-                </a:solidFill>
-                <a:latin typeface="微軟正黑體" pitchFamily="34" charset="-120"/>
-                <a:ea typeface="微軟正黑體" pitchFamily="34" charset="-120"/>
-              </a:rPr>
-              <a:t>心</a:t>
-            </a:r>
-            <a:r>
-              <a:rPr lang="zh-TW" altLang="en-US" sz="4800" b="1" dirty="0">
-                <a:solidFill>
-                  <a:srgbClr val="000066"/>
-                </a:solidFill>
-                <a:latin typeface="微軟正黑體" pitchFamily="34" charset="-120"/>
-                <a:ea typeface="微軟正黑體" pitchFamily="34" charset="-120"/>
-              </a:rPr>
-              <a:t>意</a:t>
-            </a:r>
-            <a:r>
-              <a:rPr lang="en-US" altLang="zh-TW" sz="4800" b="1" dirty="0">
-                <a:solidFill>
-                  <a:srgbClr val="000066"/>
-                </a:solidFill>
-                <a:latin typeface="微軟正黑體" pitchFamily="34" charset="-120"/>
-                <a:ea typeface="微軟正黑體" pitchFamily="34" charset="-120"/>
-              </a:rPr>
-              <a:t>  </a:t>
-            </a:r>
-            <a:endParaRPr lang="en-US" altLang="zh-TW" sz="4800" b="1" dirty="0" smtClean="0">
-              <a:solidFill>
-                <a:srgbClr val="000066"/>
-              </a:solidFill>
-              <a:latin typeface="微軟正黑體" pitchFamily="34" charset="-120"/>
-              <a:ea typeface="微軟正黑體" pitchFamily="34" charset="-120"/>
-            </a:endParaRPr>
-          </a:p>
-          <a:p>
-            <a:pPr algn="ctr">
-              <a:buNone/>
-            </a:pPr>
-            <a:r>
-              <a:rPr lang="zh-TW" altLang="en-US" sz="4800" b="1" dirty="0" smtClean="0">
-                <a:solidFill>
-                  <a:srgbClr val="000066"/>
-                </a:solidFill>
-                <a:latin typeface="微軟正黑體" pitchFamily="34" charset="-120"/>
-                <a:ea typeface="微軟正黑體" pitchFamily="34" charset="-120"/>
-              </a:rPr>
-              <a:t>獻</a:t>
-            </a:r>
-            <a:r>
-              <a:rPr lang="zh-TW" altLang="en-US" sz="4800" b="1" dirty="0">
-                <a:solidFill>
-                  <a:srgbClr val="000066"/>
-                </a:solidFill>
-                <a:latin typeface="微軟正黑體" pitchFamily="34" charset="-120"/>
-                <a:ea typeface="微軟正黑體" pitchFamily="34" charset="-120"/>
-              </a:rPr>
-              <a:t>上一切</a:t>
+              <a:t>不倚靠自己的能力</a:t>
             </a:r>
             <a:endParaRPr lang="en-US" altLang="zh-TW" sz="4800" b="1" dirty="0">
               <a:solidFill>
@@ -3835,6 +3458,66 @@
               <a:ea typeface="微軟正黑體" pitchFamily="34" charset="-120"/>
             </a:endParaRPr>
           </a:p>
+        </p:txBody>
+      </p:sp>
+    </p:spTree>
+    <p:extLst>
+      <p:ext uri="{BB962C8B-B14F-4D97-AF65-F5344CB8AC3E}">
+        <p14:creationId xmlns:p14="http://schemas.microsoft.com/office/powerpoint/2010/main" val="514373784"/>
+      </p:ext>
+    </p:extLst>
+  </p:cSld>
+  <p:clrMapOvr>
+    <a:masterClrMapping/>
+  </p:clrMapOvr>
+  <p:timing>
+    <p:tnLst>
+      <p:par>
+        <p:cTn id="1" dur="indefinite" restart="never" nodeType="tmRoot"/>
+      </p:par>
+    </p:tnLst>
+  </p:timing>
+</p:sld>
+</file>
+
+<file path=ppt/slides/slide5.xml><?xml version="1.0" encoding="utf-8"?>
+<p:sld xmlns:a="http://schemas.openxmlformats.org/drawingml/2006/main" xmlns:r="http://schemas.openxmlformats.org/officeDocument/2006/relationships" xmlns:p="http://schemas.openxmlformats.org/presentationml/2006/main">
+  <p:cSld>
+    <p:spTree>
+      <p:nvGrpSpPr>
+        <p:cNvPr id="1" name=""/>
+        <p:cNvGrpSpPr/>
+        <p:nvPr/>
+      </p:nvGrpSpPr>
+      <p:grpSpPr>
+        <a:xfrm>
+          <a:off x="0" y="0"/>
+          <a:ext cx="0" cy="0"/>
+          <a:chOff x="0" y="0"/>
+          <a:chExt cx="0" cy="0"/>
+        </a:xfrm>
+      </p:grpSpPr>
+      <p:sp>
+        <p:nvSpPr>
+          <p:cNvPr id="5" name="內容版面配置區 4"/>
+          <p:cNvSpPr>
+            <a:spLocks noGrp="1"/>
+          </p:cNvSpPr>
+          <p:nvPr>
+            <p:ph idx="1"/>
+          </p:nvPr>
+        </p:nvSpPr>
+        <p:spPr>
+          <a:xfrm>
+            <a:off x="0" y="1563639"/>
+            <a:ext cx="9144000" cy="1803647"/>
+          </a:xfrm>
+        </p:spPr>
+        <p:txBody>
+          <a:bodyPr anchor="ctr">
+            <a:normAutofit/>
+          </a:bodyPr>
+          <a:lstStyle/>
           <a:p>
             <a:pPr algn="ctr">
               <a:buNone/>
@@ -3847,17 +3530,7 @@
                 <a:latin typeface="微軟正黑體" pitchFamily="34" charset="-120"/>
                 <a:ea typeface="微軟正黑體" pitchFamily="34" charset="-120"/>
               </a:rPr>
-              <a:t>主啊  我尊</a:t>
-            </a:r>
-            <a:r>
-              <a:rPr lang="zh-TW" altLang="en-US" sz="4800" b="1" dirty="0" smtClean="0">
-                <a:solidFill>
-                  <a:srgbClr val="000066"/>
-                </a:solidFill>
-                <a:latin typeface="微軟正黑體" pitchFamily="34" charset="-120"/>
-                <a:ea typeface="微軟正黑體" pitchFamily="34" charset="-120"/>
-              </a:rPr>
-              <a:t>榮</a:t>
+              <a:t>在所行的路  </a:t>
             </a:r>
             <a:r>
               <a:rPr lang="zh-CN" altLang="en-US" sz="4800" b="1" dirty="0">
@@ -3868,6 +3541,16 @@
                 <a:ea typeface="微軟正黑體" pitchFamily="34" charset="-120"/>
               </a:rPr>
               <a:t>袮</a:t>
+            </a:r>
+            <a:r>
+              <a:rPr lang="zh-TW" altLang="en-US" sz="4800" b="1" dirty="0">
+                <a:solidFill>
+                  <a:srgbClr val="000066"/>
+                </a:solidFill>
+                <a:latin typeface="微軟正黑體" pitchFamily="34" charset="-120"/>
+                <a:ea typeface="微軟正黑體" pitchFamily="34" charset="-120"/>
+              </a:rPr>
+              <a:t>必指引</a:t>
             </a:r>
             <a:endParaRPr lang="en-US" altLang="zh-TW" sz="4800" b="1" dirty="0">
               <a:solidFill>
@@ -3880,10 +3563,444 @@
         </p:txBody>
       </p:sp>
     </p:spTree>
+    <p:extLst>
+      <p:ext uri="{BB962C8B-B14F-4D97-AF65-F5344CB8AC3E}">
+        <p14:creationId xmlns:p14="http://schemas.microsoft.com/office/powerpoint/2010/main" val="1231669386"/>
+      </p:ext>
+    </p:extLst>
   </p:cSld>
   <p:clrMapOvr>
     <a:masterClrMapping/>
   </p:clrMapOvr>
+  <p:timing>
+    <p:tnLst>
+      <p:par>
+        <p:cTn id="1" dur="indefinite" restart="never" nodeType="tmRoot"/>
+      </p:par>
+    </p:tnLst>
+  </p:timing>
+</p:sld>
+</file>
+
+<file path=ppt/slides/slide6.xml><?xml version="1.0" encoding="utf-8"?>
+<p:sld xmlns:a="http://schemas.openxmlformats.org/drawingml/2006/main" xmlns:r="http://schemas.openxmlformats.org/officeDocument/2006/relationships" xmlns:p="http://schemas.openxmlformats.org/presentationml/2006/main">
+  <p:cSld>
+    <p:spTree>
+      <p:nvGrpSpPr>
+        <p:cNvPr id="1" name=""/>
+        <p:cNvGrpSpPr/>
+        <p:nvPr/>
+      </p:nvGrpSpPr>
+      <p:grpSpPr>
+        <a:xfrm>
+          <a:off x="0" y="0"/>
+          <a:ext cx="0" cy="0"/>
+          <a:chOff x="0" y="0"/>
+          <a:chExt cx="0" cy="0"/>
+        </a:xfrm>
+      </p:grpSpPr>
+      <p:sp>
+        <p:nvSpPr>
+          <p:cNvPr id="5" name="內容版面配置區 4"/>
+          <p:cNvSpPr>
+            <a:spLocks noGrp="1"/>
+          </p:cNvSpPr>
+          <p:nvPr>
+            <p:ph idx="1"/>
+          </p:nvPr>
+        </p:nvSpPr>
+        <p:spPr>
+          <a:xfrm>
+            <a:off x="0" y="1563639"/>
+            <a:ext cx="9144000" cy="1803647"/>
+          </a:xfrm>
+        </p:spPr>
+        <p:txBody>
+          <a:bodyPr anchor="ctr">
+            <a:normAutofit/>
+          </a:bodyPr>
+          <a:lstStyle/>
+          <a:p>
+            <a:pPr algn="ctr">
+              <a:buNone/>
+            </a:pPr>
+            <a:r>
+              <a:rPr lang="zh-TW" altLang="en-US" sz="4800" b="1" dirty="0">
+                <a:solidFill>
+                  <a:srgbClr val="000066"/>
+                </a:solidFill>
+                <a:latin typeface="微軟正黑體" pitchFamily="34" charset="-120"/>
+                <a:ea typeface="微軟正黑體" pitchFamily="34" charset="-120"/>
+              </a:rPr>
+              <a:t>將</a:t>
+            </a:r>
+            <a:r>
+              <a:rPr lang="zh-CN" altLang="en-US" sz="4800" b="1" dirty="0">
+                <a:solidFill>
+                  <a:srgbClr val="000066"/>
+                </a:solidFill>
+                <a:latin typeface="微軟正黑體" pitchFamily="34" charset="-120"/>
+                <a:ea typeface="微軟正黑體" pitchFamily="34" charset="-120"/>
+              </a:rPr>
+              <a:t>袮</a:t>
+            </a:r>
+            <a:r>
+              <a:rPr lang="zh-TW" altLang="en-US" sz="4800" b="1" dirty="0">
+                <a:solidFill>
+                  <a:srgbClr val="000066"/>
+                </a:solidFill>
+                <a:latin typeface="微軟正黑體" pitchFamily="34" charset="-120"/>
+                <a:ea typeface="微軟正黑體" pitchFamily="34" charset="-120"/>
+              </a:rPr>
+              <a:t>的話語繫在頸項上</a:t>
+            </a:r>
+            <a:endParaRPr lang="en-US" altLang="zh-TW" sz="4800" b="1" dirty="0">
+              <a:solidFill>
+                <a:srgbClr val="000066"/>
+              </a:solidFill>
+              <a:latin typeface="微軟正黑體" pitchFamily="34" charset="-120"/>
+              <a:ea typeface="微軟正黑體" pitchFamily="34" charset="-120"/>
+            </a:endParaRPr>
+          </a:p>
+          <a:p>
+            <a:pPr algn="ctr">
+              <a:buNone/>
+            </a:pPr>
+            <a:r>
+              <a:rPr lang="zh-TW" altLang="en-US" sz="4800" b="1" dirty="0">
+                <a:solidFill>
+                  <a:srgbClr val="000066"/>
+                </a:solidFill>
+                <a:latin typeface="微軟正黑體" pitchFamily="34" charset="-120"/>
+                <a:ea typeface="微軟正黑體" pitchFamily="34" charset="-120"/>
+              </a:rPr>
+              <a:t>刻在心版</a:t>
+            </a:r>
+            <a:r>
+              <a:rPr lang="zh-TW" altLang="en-US" sz="4800" b="1" dirty="0" smtClean="0">
+                <a:solidFill>
+                  <a:srgbClr val="000066"/>
+                </a:solidFill>
+                <a:latin typeface="微軟正黑體" pitchFamily="34" charset="-120"/>
+                <a:ea typeface="微軟正黑體" pitchFamily="34" charset="-120"/>
+              </a:rPr>
+              <a:t>上</a:t>
+            </a:r>
+            <a:r>
+              <a:rPr lang="en-US" altLang="zh-TW" sz="4800" b="1" dirty="0" smtClean="0">
+                <a:solidFill>
+                  <a:srgbClr val="000066"/>
+                </a:solidFill>
+                <a:latin typeface="微軟正黑體" pitchFamily="34" charset="-120"/>
+                <a:ea typeface="微軟正黑體" pitchFamily="34" charset="-120"/>
+              </a:rPr>
+              <a:t>  </a:t>
+            </a:r>
+            <a:r>
+              <a:rPr lang="zh-TW" altLang="en-US" sz="4800" b="1" dirty="0" smtClean="0">
+                <a:solidFill>
+                  <a:srgbClr val="000066"/>
+                </a:solidFill>
+                <a:latin typeface="微軟正黑體" pitchFamily="34" charset="-120"/>
+                <a:ea typeface="微軟正黑體" pitchFamily="34" charset="-120"/>
+              </a:rPr>
+              <a:t>主</a:t>
+            </a:r>
+            <a:r>
+              <a:rPr lang="zh-TW" altLang="en-US" sz="4800" b="1" dirty="0">
+                <a:solidFill>
+                  <a:srgbClr val="000066"/>
+                </a:solidFill>
+                <a:latin typeface="微軟正黑體" pitchFamily="34" charset="-120"/>
+                <a:ea typeface="微軟正黑體" pitchFamily="34" charset="-120"/>
+              </a:rPr>
+              <a:t>啊  我站立敬畏</a:t>
+            </a:r>
+            <a:r>
+              <a:rPr lang="zh-CN" altLang="en-US" sz="4800" b="1" dirty="0">
+                <a:solidFill>
+                  <a:srgbClr val="000066"/>
+                </a:solidFill>
+                <a:latin typeface="微軟正黑體" pitchFamily="34" charset="-120"/>
+                <a:ea typeface="微軟正黑體" pitchFamily="34" charset="-120"/>
+              </a:rPr>
+              <a:t>袮</a:t>
+            </a:r>
+            <a:endParaRPr lang="en-US" altLang="zh-TW" sz="4800" b="1" dirty="0">
+              <a:solidFill>
+                <a:srgbClr val="000066"/>
+              </a:solidFill>
+              <a:latin typeface="微軟正黑體" pitchFamily="34" charset="-120"/>
+              <a:ea typeface="微軟正黑體" pitchFamily="34" charset="-120"/>
+            </a:endParaRPr>
+          </a:p>
+        </p:txBody>
+      </p:sp>
+    </p:spTree>
+    <p:extLst>
+      <p:ext uri="{BB962C8B-B14F-4D97-AF65-F5344CB8AC3E}">
+        <p14:creationId xmlns:p14="http://schemas.microsoft.com/office/powerpoint/2010/main" val="1901899615"/>
+      </p:ext>
+    </p:extLst>
+  </p:cSld>
+  <p:clrMapOvr>
+    <a:masterClrMapping/>
+  </p:clrMapOvr>
+  <p:timing>
+    <p:tnLst>
+      <p:par>
+        <p:cTn id="1" dur="indefinite" restart="never" nodeType="tmRoot"/>
+      </p:par>
+    </p:tnLst>
+  </p:timing>
+</p:sld>
+</file>
+
+<file path=ppt/slides/slide7.xml><?xml version="1.0" encoding="utf-8"?>
+<p:sld xmlns:a="http://schemas.openxmlformats.org/drawingml/2006/main" xmlns:r="http://schemas.openxmlformats.org/officeDocument/2006/relationships" xmlns:p="http://schemas.openxmlformats.org/presentationml/2006/main">
+  <p:cSld>
+    <p:spTree>
+      <p:nvGrpSpPr>
+        <p:cNvPr id="1" name=""/>
+        <p:cNvGrpSpPr/>
+        <p:nvPr/>
+      </p:nvGrpSpPr>
+      <p:grpSpPr>
+        <a:xfrm>
+          <a:off x="0" y="0"/>
+          <a:ext cx="0" cy="0"/>
+          <a:chOff x="0" y="0"/>
+          <a:chExt cx="0" cy="0"/>
+        </a:xfrm>
+      </p:grpSpPr>
+      <p:sp>
+        <p:nvSpPr>
+          <p:cNvPr id="5" name="內容版面配置區 4"/>
+          <p:cNvSpPr>
+            <a:spLocks noGrp="1"/>
+          </p:cNvSpPr>
+          <p:nvPr>
+            <p:ph idx="1"/>
+          </p:nvPr>
+        </p:nvSpPr>
+        <p:spPr>
+          <a:xfrm>
+            <a:off x="0" y="1563639"/>
+            <a:ext cx="9144000" cy="1803647"/>
+          </a:xfrm>
+        </p:spPr>
+        <p:txBody>
+          <a:bodyPr anchor="ctr">
+            <a:normAutofit/>
+          </a:bodyPr>
+          <a:lstStyle/>
+          <a:p>
+            <a:pPr algn="ctr">
+              <a:buNone/>
+            </a:pPr>
+            <a:r>
+              <a:rPr lang="zh-CN" altLang="en-US" sz="4800" b="1" dirty="0">
+                <a:solidFill>
+                  <a:srgbClr val="000066"/>
+                </a:solidFill>
+                <a:latin typeface="微軟正黑體" pitchFamily="34" charset="-120"/>
+                <a:ea typeface="微軟正黑體" pitchFamily="34" charset="-120"/>
+              </a:rPr>
+              <a:t>袮</a:t>
+            </a:r>
+            <a:r>
+              <a:rPr lang="zh-TW" altLang="en-US" sz="4800" b="1" dirty="0">
+                <a:solidFill>
+                  <a:srgbClr val="000066"/>
+                </a:solidFill>
+                <a:latin typeface="微軟正黑體" pitchFamily="34" charset="-120"/>
+                <a:ea typeface="微軟正黑體" pitchFamily="34" charset="-120"/>
+              </a:rPr>
+              <a:t>是道路真理和生命</a:t>
+            </a:r>
+            <a:endParaRPr lang="en-US" altLang="zh-TW" sz="4800" b="1" dirty="0">
+              <a:solidFill>
+                <a:srgbClr val="000066"/>
+              </a:solidFill>
+              <a:latin typeface="微軟正黑體" pitchFamily="34" charset="-120"/>
+              <a:ea typeface="微軟正黑體" pitchFamily="34" charset="-120"/>
+            </a:endParaRPr>
+          </a:p>
+          <a:p>
+            <a:pPr algn="ctr">
+              <a:buNone/>
+            </a:pPr>
+            <a:r>
+              <a:rPr lang="zh-TW" altLang="en-US" sz="4800" b="1" dirty="0">
+                <a:solidFill>
+                  <a:srgbClr val="000066"/>
+                </a:solidFill>
+                <a:latin typeface="微軟正黑體" pitchFamily="34" charset="-120"/>
+                <a:ea typeface="微軟正黑體" pitchFamily="34" charset="-120"/>
+              </a:rPr>
+              <a:t>走近</a:t>
+            </a:r>
+            <a:r>
+              <a:rPr lang="zh-CN" altLang="en-US" sz="4800" b="1" dirty="0">
+                <a:solidFill>
+                  <a:srgbClr val="000066"/>
+                </a:solidFill>
+                <a:latin typeface="微軟正黑體" pitchFamily="34" charset="-120"/>
+                <a:ea typeface="微軟正黑體" pitchFamily="34" charset="-120"/>
+              </a:rPr>
+              <a:t>袮</a:t>
+            </a:r>
+            <a:r>
+              <a:rPr lang="zh-TW" altLang="en-US" sz="4800" b="1" dirty="0">
+                <a:solidFill>
+                  <a:srgbClr val="000066"/>
+                </a:solidFill>
+                <a:latin typeface="微軟正黑體" pitchFamily="34" charset="-120"/>
+                <a:ea typeface="微軟正黑體" pitchFamily="34" charset="-120"/>
+              </a:rPr>
+              <a:t>心意</a:t>
+            </a:r>
+            <a:endParaRPr lang="en-US" altLang="zh-TW" sz="4800" b="1" dirty="0">
+              <a:solidFill>
+                <a:srgbClr val="000066"/>
+              </a:solidFill>
+              <a:latin typeface="微軟正黑體" pitchFamily="34" charset="-120"/>
+              <a:ea typeface="微軟正黑體" pitchFamily="34" charset="-120"/>
+            </a:endParaRPr>
+          </a:p>
+        </p:txBody>
+      </p:sp>
+    </p:spTree>
+    <p:extLst>
+      <p:ext uri="{BB962C8B-B14F-4D97-AF65-F5344CB8AC3E}">
+        <p14:creationId xmlns:p14="http://schemas.microsoft.com/office/powerpoint/2010/main" val="489230224"/>
+      </p:ext>
+    </p:extLst>
+  </p:cSld>
+  <p:clrMapOvr>
+    <a:masterClrMapping/>
+  </p:clrMapOvr>
+  <p:timing>
+    <p:tnLst>
+      <p:par>
+        <p:cTn id="1" dur="indefinite" restart="never" nodeType="tmRoot"/>
+      </p:par>
+    </p:tnLst>
+  </p:timing>
+</p:sld>
+</file>
+
+<file path=ppt/slides/slide8.xml><?xml version="1.0" encoding="utf-8"?>
+<p:sld xmlns:a="http://schemas.openxmlformats.org/drawingml/2006/main" xmlns:r="http://schemas.openxmlformats.org/officeDocument/2006/relationships" xmlns:p="http://schemas.openxmlformats.org/presentationml/2006/main">
+  <p:cSld>
+    <p:spTree>
+      <p:nvGrpSpPr>
+        <p:cNvPr id="1" name=""/>
+        <p:cNvGrpSpPr/>
+        <p:nvPr/>
+      </p:nvGrpSpPr>
+      <p:grpSpPr>
+        <a:xfrm>
+          <a:off x="0" y="0"/>
+          <a:ext cx="0" cy="0"/>
+          <a:chOff x="0" y="0"/>
+          <a:chExt cx="0" cy="0"/>
+        </a:xfrm>
+      </p:grpSpPr>
+      <p:sp>
+        <p:nvSpPr>
+          <p:cNvPr id="5" name="內容版面配置區 4"/>
+          <p:cNvSpPr>
+            <a:spLocks noGrp="1"/>
+          </p:cNvSpPr>
+          <p:nvPr>
+            <p:ph idx="1"/>
+          </p:nvPr>
+        </p:nvSpPr>
+        <p:spPr>
+          <a:xfrm>
+            <a:off x="0" y="1563639"/>
+            <a:ext cx="9144000" cy="1803647"/>
+          </a:xfrm>
+        </p:spPr>
+        <p:txBody>
+          <a:bodyPr anchor="ctr">
+            <a:normAutofit/>
+          </a:bodyPr>
+          <a:lstStyle/>
+          <a:p>
+            <a:pPr algn="ctr">
+              <a:buNone/>
+            </a:pPr>
+            <a:r>
+              <a:rPr lang="zh-TW" altLang="en-US" sz="4800" b="1" dirty="0">
+                <a:solidFill>
+                  <a:srgbClr val="000066"/>
+                </a:solidFill>
+                <a:latin typeface="微軟正黑體" pitchFamily="34" charset="-120"/>
+                <a:ea typeface="微軟正黑體" pitchFamily="34" charset="-120"/>
+              </a:rPr>
+              <a:t>獻上一切</a:t>
+            </a:r>
+            <a:endParaRPr lang="en-US" altLang="zh-TW" sz="4800" b="1" dirty="0">
+              <a:solidFill>
+                <a:srgbClr val="000066"/>
+              </a:solidFill>
+              <a:latin typeface="微軟正黑體" pitchFamily="34" charset="-120"/>
+              <a:ea typeface="微軟正黑體" pitchFamily="34" charset="-120"/>
+            </a:endParaRPr>
+          </a:p>
+          <a:p>
+            <a:pPr algn="ctr">
+              <a:buNone/>
+            </a:pPr>
+            <a:r>
+              <a:rPr lang="zh-TW" altLang="en-US" sz="4800" b="1" dirty="0">
+                <a:solidFill>
+                  <a:srgbClr val="000066"/>
+                </a:solidFill>
+                <a:latin typeface="微軟正黑體" pitchFamily="34" charset="-120"/>
+                <a:ea typeface="微軟正黑體" pitchFamily="34" charset="-120"/>
+              </a:rPr>
+              <a:t>主啊  我尊榮</a:t>
+            </a:r>
+            <a:r>
+              <a:rPr lang="zh-CN" altLang="en-US" sz="4800" b="1" dirty="0">
+                <a:solidFill>
+                  <a:srgbClr val="000066"/>
+                </a:solidFill>
+                <a:latin typeface="微軟正黑體" pitchFamily="34" charset="-120"/>
+                <a:ea typeface="微軟正黑體" pitchFamily="34" charset="-120"/>
+              </a:rPr>
+              <a:t>袮</a:t>
+            </a:r>
+            <a:endParaRPr lang="en-US" altLang="zh-TW" sz="4800" b="1" dirty="0">
+              <a:solidFill>
+                <a:srgbClr val="000066"/>
+              </a:solidFill>
+              <a:latin typeface="微軟正黑體" pitchFamily="34" charset="-120"/>
+              <a:ea typeface="微軟正黑體" pitchFamily="34" charset="-120"/>
+            </a:endParaRPr>
+          </a:p>
+        </p:txBody>
+      </p:sp>
+    </p:spTree>
+    <p:extLst>
+      <p:ext uri="{BB962C8B-B14F-4D97-AF65-F5344CB8AC3E}">
+        <p14:creationId xmlns:p14="http://schemas.microsoft.com/office/powerpoint/2010/main" val="140049917"/>
+      </p:ext>
+    </p:extLst>
+  </p:cSld>
+  <p:clrMapOvr>
+    <a:masterClrMapping/>
+  </p:clrMapOvr>
+  <p:timing>
+    <p:tnLst>
+      <p:par>
+        <p:cTn id="1" dur="indefinite" restart="never" nodeType="tmRoot"/>
+      </p:par>
+    </p:tnLst>
+  </p:timing>
 </p:sld>
 </file>
 
